--- a/Day 6/SAP Build Training Day 6.pptx
+++ b/Day 6/SAP Build Training Day 6.pptx
@@ -5,10 +5,10 @@
     <p:sldMasterId id="2147483648" r:id="rId1"/>
   </p:sldMasterIdLst>
   <p:notesMasterIdLst>
-    <p:notesMasterId r:id="rId18"/>
+    <p:notesMasterId r:id="rId19"/>
   </p:notesMasterIdLst>
   <p:handoutMasterIdLst>
-    <p:handoutMasterId r:id="rId19"/>
+    <p:handoutMasterId r:id="rId20"/>
   </p:handoutMasterIdLst>
   <p:sldIdLst>
     <p:sldId id="256" r:id="rId2"/>
@@ -17,16 +17,17 @@
     <p:sldId id="499" r:id="rId5"/>
     <p:sldId id="334" r:id="rId6"/>
     <p:sldId id="311" r:id="rId7"/>
-    <p:sldId id="312" r:id="rId8"/>
-    <p:sldId id="308" r:id="rId9"/>
-    <p:sldId id="309" r:id="rId10"/>
-    <p:sldId id="317" r:id="rId11"/>
-    <p:sldId id="310" r:id="rId12"/>
-    <p:sldId id="331" r:id="rId13"/>
-    <p:sldId id="361" r:id="rId14"/>
-    <p:sldId id="495" r:id="rId15"/>
-    <p:sldId id="496" r:id="rId16"/>
-    <p:sldId id="497" r:id="rId17"/>
+    <p:sldId id="500" r:id="rId8"/>
+    <p:sldId id="312" r:id="rId9"/>
+    <p:sldId id="310" r:id="rId10"/>
+    <p:sldId id="308" r:id="rId11"/>
+    <p:sldId id="309" r:id="rId12"/>
+    <p:sldId id="317" r:id="rId13"/>
+    <p:sldId id="331" r:id="rId14"/>
+    <p:sldId id="361" r:id="rId15"/>
+    <p:sldId id="495" r:id="rId16"/>
+    <p:sldId id="496" r:id="rId17"/>
+    <p:sldId id="497" r:id="rId18"/>
   </p:sldIdLst>
   <p:sldSz cx="9144000" cy="5143500" type="screen16x9"/>
   <p:notesSz cx="6858000" cy="9144000"/>
@@ -240,7 +241,7 @@
           <a:p>
             <a:fld id="{74CD1819-8EAB-4094-BBB1-E11C3AABA846}" type="datetimeFigureOut">
               <a:rPr lang="en-US" smtClean="0"/>
-              <a:t>7/15/2025</a:t>
+              <a:t>7/16/2025</a:t>
             </a:fld>
             <a:endParaRPr lang="en-US"/>
           </a:p>
@@ -972,7 +973,7 @@
           <a:p>
             <a:fld id="{D976A73D-237B-4034-AB8C-962174A8D351}" type="datetimeFigureOut">
               <a:rPr lang="en-US" smtClean="0"/>
-              <a:t>7/15/2025</a:t>
+              <a:t>7/16/2025</a:t>
             </a:fld>
             <a:endParaRPr lang="en-US"/>
           </a:p>
@@ -1437,7 +1438,7 @@
                 <a:tabLst/>
                 <a:defRPr/>
               </a:pPr>
-              <a:t>16</a:t>
+              <a:t>17</a:t>
             </a:fld>
             <a:endParaRPr kumimoji="0" lang="en-US" sz="1200" b="0" i="0" u="none" strike="noStrike" kern="1200" cap="none" spc="0" normalizeH="0" baseline="0" noProof="0">
               <a:ln>
@@ -1674,7 +1675,7 @@
             <a:fld id="{1D8BD707-D9CF-40AE-B4C6-C98DA3205C09}" type="datetimeFigureOut">
               <a:rPr lang="en-US" smtClean="0"/>
               <a:pPr/>
-              <a:t>7/15/2025</a:t>
+              <a:t>7/16/2025</a:t>
             </a:fld>
             <a:endParaRPr lang="en-US"/>
           </a:p>
@@ -5037,7 +5038,7 @@
           <a:p>
             <a:fld id="{940CB006-912F-44E1-9560-9CBFEBE946EF}" type="datetime4">
               <a:rPr lang="en-US" smtClean="0"/>
-              <a:t>July 15, 2025</a:t>
+              <a:t>July 16, 2025</a:t>
             </a:fld>
             <a:endParaRPr lang="en-US"/>
           </a:p>
@@ -5741,6 +5742,447 @@
         <p:cNvPr id="1" name="">
           <a:extLst>
             <a:ext uri="{FF2B5EF4-FFF2-40B4-BE49-F238E27FC236}">
+              <a16:creationId xmlns:a16="http://schemas.microsoft.com/office/drawing/2014/main" id="{C8B374D4-0C5E-2AF6-9B47-A0506958AAAA}"/>
+            </a:ext>
+          </a:extLst>
+        </p:cNvPr>
+        <p:cNvGrpSpPr/>
+        <p:nvPr/>
+      </p:nvGrpSpPr>
+      <p:grpSpPr>
+        <a:xfrm>
+          <a:off x="0" y="0"/>
+          <a:ext cx="0" cy="0"/>
+          <a:chOff x="0" y="0"/>
+          <a:chExt cx="0" cy="0"/>
+        </a:xfrm>
+      </p:grpSpPr>
+      <p:sp>
+        <p:nvSpPr>
+          <p:cNvPr id="3" name="Footer Placeholder 2">
+            <a:extLst>
+              <a:ext uri="{FF2B5EF4-FFF2-40B4-BE49-F238E27FC236}">
+                <a16:creationId xmlns:a16="http://schemas.microsoft.com/office/drawing/2014/main" id="{A8ABD81D-2A1A-B36C-45DB-9C7102EC7C4D}"/>
+              </a:ext>
+            </a:extLst>
+          </p:cNvPr>
+          <p:cNvSpPr>
+            <a:spLocks noGrp="1"/>
+          </p:cNvSpPr>
+          <p:nvPr>
+            <p:ph type="ftr" sz="quarter" idx="11"/>
+          </p:nvPr>
+        </p:nvSpPr>
+        <p:spPr/>
+        <p:txBody>
+          <a:bodyPr/>
+          <a:lstStyle/>
+          <a:p>
+            <a:r>
+              <a:rPr lang="en-US" dirty="0"/>
+              <a:t>www.anubhavtrainings.com</a:t>
+            </a:r>
+          </a:p>
+        </p:txBody>
+      </p:sp>
+      <p:sp>
+        <p:nvSpPr>
+          <p:cNvPr id="4" name="Slide Number Placeholder 3">
+            <a:extLst>
+              <a:ext uri="{FF2B5EF4-FFF2-40B4-BE49-F238E27FC236}">
+                <a16:creationId xmlns:a16="http://schemas.microsoft.com/office/drawing/2014/main" id="{EF28E9CA-016B-704A-E18B-F9871644A8F1}"/>
+              </a:ext>
+            </a:extLst>
+          </p:cNvPr>
+          <p:cNvSpPr>
+            <a:spLocks noGrp="1"/>
+          </p:cNvSpPr>
+          <p:nvPr>
+            <p:ph type="sldNum" sz="quarter" idx="12"/>
+          </p:nvPr>
+        </p:nvSpPr>
+        <p:spPr>
+          <a:xfrm>
+            <a:off x="152400" y="4781550"/>
+            <a:ext cx="457200" cy="273844"/>
+          </a:xfrm>
+        </p:spPr>
+        <p:txBody>
+          <a:bodyPr/>
+          <a:lstStyle/>
+          <a:p>
+            <a:fld id="{B6F15528-21DE-4FAA-801E-634DDDAF4B2B}" type="slidenum">
+              <a:rPr lang="en-US" smtClean="0"/>
+              <a:pPr/>
+              <a:t>10</a:t>
+            </a:fld>
+            <a:endParaRPr lang="en-US" dirty="0"/>
+          </a:p>
+        </p:txBody>
+      </p:sp>
+      <p:sp>
+        <p:nvSpPr>
+          <p:cNvPr id="5" name="Title 4">
+            <a:extLst>
+              <a:ext uri="{FF2B5EF4-FFF2-40B4-BE49-F238E27FC236}">
+                <a16:creationId xmlns:a16="http://schemas.microsoft.com/office/drawing/2014/main" id="{7BC9EBA1-EE78-4CC2-59DC-111940676180}"/>
+              </a:ext>
+            </a:extLst>
+          </p:cNvPr>
+          <p:cNvSpPr>
+            <a:spLocks noGrp="1"/>
+          </p:cNvSpPr>
+          <p:nvPr>
+            <p:ph type="title"/>
+          </p:nvPr>
+        </p:nvSpPr>
+        <p:spPr>
+          <a:xfrm>
+            <a:off x="76200" y="133350"/>
+            <a:ext cx="8229600" cy="533401"/>
+          </a:xfrm>
+        </p:spPr>
+        <p:txBody>
+          <a:bodyPr/>
+          <a:lstStyle/>
+          <a:p>
+            <a:r>
+              <a:rPr lang="en-IN" sz="2500" dirty="0">
+                <a:latin typeface="Cooper Black" panose="0208090404030B020404" pitchFamily="18" charset="0"/>
+              </a:rPr>
+              <a:t>What is API?</a:t>
+            </a:r>
+          </a:p>
+        </p:txBody>
+      </p:sp>
+      <p:sp>
+        <p:nvSpPr>
+          <p:cNvPr id="2" name="TextBox 1">
+            <a:extLst>
+              <a:ext uri="{FF2B5EF4-FFF2-40B4-BE49-F238E27FC236}">
+                <a16:creationId xmlns:a16="http://schemas.microsoft.com/office/drawing/2014/main" id="{EA33CFD6-0483-9FAA-7E99-65E92BAAF2EF}"/>
+              </a:ext>
+            </a:extLst>
+          </p:cNvPr>
+          <p:cNvSpPr txBox="1"/>
+          <p:nvPr/>
+        </p:nvSpPr>
+        <p:spPr>
+          <a:xfrm>
+            <a:off x="228600" y="742950"/>
+            <a:ext cx="8686800" cy="1384995"/>
+          </a:xfrm>
+          <a:prstGeom prst="rect">
+            <a:avLst/>
+          </a:prstGeom>
+          <a:noFill/>
+        </p:spPr>
+        <p:txBody>
+          <a:bodyPr wrap="square" rtlCol="0">
+            <a:spAutoFit/>
+          </a:bodyPr>
+          <a:lstStyle/>
+          <a:p>
+            <a:r>
+              <a:rPr lang="en-IN" sz="1400" dirty="0"/>
+              <a:t>API stands for application programming interface, it is a contract between our system and a system which is trying to connect with us.</a:t>
+            </a:r>
+          </a:p>
+          <a:p>
+            <a:pPr marL="285750" indent="-285750">
+              <a:buFont typeface="Arial" panose="020B0604020202020204" pitchFamily="34" charset="0"/>
+              <a:buChar char="•"/>
+            </a:pPr>
+            <a:r>
+              <a:rPr lang="en-IN" sz="1400" dirty="0"/>
+              <a:t>API gives a contract between caller and called party</a:t>
+            </a:r>
+          </a:p>
+          <a:p>
+            <a:pPr marL="285750" indent="-285750">
+              <a:buFont typeface="Arial" panose="020B0604020202020204" pitchFamily="34" charset="0"/>
+              <a:buChar char="•"/>
+            </a:pPr>
+            <a:r>
+              <a:rPr lang="en-IN" sz="1400" dirty="0"/>
+              <a:t>That makes integration possible w/o knowing internal functionality of system</a:t>
+            </a:r>
+          </a:p>
+          <a:p>
+            <a:pPr marL="285750" indent="-285750">
+              <a:buFont typeface="Arial" panose="020B0604020202020204" pitchFamily="34" charset="0"/>
+              <a:buChar char="•"/>
+            </a:pPr>
+            <a:r>
+              <a:rPr lang="en-IN" sz="1400" dirty="0"/>
+              <a:t>Critical role in integration and exchange of data between systems</a:t>
+            </a:r>
+          </a:p>
+          <a:p>
+            <a:pPr marL="285750" indent="-285750">
+              <a:buFont typeface="Arial" panose="020B0604020202020204" pitchFamily="34" charset="0"/>
+              <a:buChar char="•"/>
+            </a:pPr>
+            <a:r>
+              <a:rPr lang="en-IN" sz="1400" dirty="0"/>
+              <a:t>Servers as single entry point for different business objects (</a:t>
+            </a:r>
+            <a:r>
+              <a:rPr lang="en-IN" sz="1400" dirty="0" err="1"/>
+              <a:t>so,po,material</a:t>
+            </a:r>
+            <a:r>
+              <a:rPr lang="en-IN" sz="1400" dirty="0"/>
+              <a:t>)</a:t>
+            </a:r>
+          </a:p>
+        </p:txBody>
+      </p:sp>
+    </p:spTree>
+    <p:extLst>
+      <p:ext uri="{BB962C8B-B14F-4D97-AF65-F5344CB8AC3E}">
+        <p14:creationId xmlns:p14="http://schemas.microsoft.com/office/powerpoint/2010/main" val="547069360"/>
+      </p:ext>
+    </p:extLst>
+  </p:cSld>
+  <p:clrMapOvr>
+    <a:masterClrMapping/>
+  </p:clrMapOvr>
+  <mc:AlternateContent xmlns:mc="http://schemas.openxmlformats.org/markup-compatibility/2006" xmlns:p14="http://schemas.microsoft.com/office/powerpoint/2010/main">
+    <mc:Choice Requires="p14">
+      <p:transition spd="med" p14:dur="700">
+        <p:fade/>
+      </p:transition>
+    </mc:Choice>
+    <mc:Fallback xmlns="">
+      <p:transition spd="med">
+        <p:fade/>
+      </p:transition>
+    </mc:Fallback>
+  </mc:AlternateContent>
+</p:sld>
+</file>
+
+<file path=ppt/slides/slide11.xml><?xml version="1.0" encoding="utf-8"?>
+<p:sld xmlns:a="http://schemas.openxmlformats.org/drawingml/2006/main" xmlns:r="http://schemas.openxmlformats.org/officeDocument/2006/relationships" xmlns:p="http://schemas.openxmlformats.org/presentationml/2006/main">
+  <p:cSld>
+    <p:spTree>
+      <p:nvGrpSpPr>
+        <p:cNvPr id="1" name="">
+          <a:extLst>
+            <a:ext uri="{FF2B5EF4-FFF2-40B4-BE49-F238E27FC236}">
+              <a16:creationId xmlns:a16="http://schemas.microsoft.com/office/drawing/2014/main" id="{1F57BF4E-8B28-D674-57FE-3E79300454DB}"/>
+            </a:ext>
+          </a:extLst>
+        </p:cNvPr>
+        <p:cNvGrpSpPr/>
+        <p:nvPr/>
+      </p:nvGrpSpPr>
+      <p:grpSpPr>
+        <a:xfrm>
+          <a:off x="0" y="0"/>
+          <a:ext cx="0" cy="0"/>
+          <a:chOff x="0" y="0"/>
+          <a:chExt cx="0" cy="0"/>
+        </a:xfrm>
+      </p:grpSpPr>
+      <p:sp>
+        <p:nvSpPr>
+          <p:cNvPr id="3" name="Footer Placeholder 2">
+            <a:extLst>
+              <a:ext uri="{FF2B5EF4-FFF2-40B4-BE49-F238E27FC236}">
+                <a16:creationId xmlns:a16="http://schemas.microsoft.com/office/drawing/2014/main" id="{14978BB3-577C-01FE-FA48-87C76FF0011B}"/>
+              </a:ext>
+            </a:extLst>
+          </p:cNvPr>
+          <p:cNvSpPr>
+            <a:spLocks noGrp="1"/>
+          </p:cNvSpPr>
+          <p:nvPr>
+            <p:ph type="ftr" sz="quarter" idx="11"/>
+          </p:nvPr>
+        </p:nvSpPr>
+        <p:spPr/>
+        <p:txBody>
+          <a:bodyPr/>
+          <a:lstStyle/>
+          <a:p>
+            <a:r>
+              <a:rPr lang="en-US" dirty="0"/>
+              <a:t>www.anubhavtrainings.com</a:t>
+            </a:r>
+          </a:p>
+        </p:txBody>
+      </p:sp>
+      <p:sp>
+        <p:nvSpPr>
+          <p:cNvPr id="4" name="Slide Number Placeholder 3">
+            <a:extLst>
+              <a:ext uri="{FF2B5EF4-FFF2-40B4-BE49-F238E27FC236}">
+                <a16:creationId xmlns:a16="http://schemas.microsoft.com/office/drawing/2014/main" id="{25AD9A86-FB8B-D00B-7281-30D3934C19B5}"/>
+              </a:ext>
+            </a:extLst>
+          </p:cNvPr>
+          <p:cNvSpPr>
+            <a:spLocks noGrp="1"/>
+          </p:cNvSpPr>
+          <p:nvPr>
+            <p:ph type="sldNum" sz="quarter" idx="12"/>
+          </p:nvPr>
+        </p:nvSpPr>
+        <p:spPr>
+          <a:xfrm>
+            <a:off x="152400" y="4781550"/>
+            <a:ext cx="457200" cy="273844"/>
+          </a:xfrm>
+        </p:spPr>
+        <p:txBody>
+          <a:bodyPr/>
+          <a:lstStyle/>
+          <a:p>
+            <a:fld id="{B6F15528-21DE-4FAA-801E-634DDDAF4B2B}" type="slidenum">
+              <a:rPr lang="en-US" smtClean="0"/>
+              <a:pPr/>
+              <a:t>11</a:t>
+            </a:fld>
+            <a:endParaRPr lang="en-US" dirty="0"/>
+          </a:p>
+        </p:txBody>
+      </p:sp>
+      <p:sp>
+        <p:nvSpPr>
+          <p:cNvPr id="5" name="Title 4">
+            <a:extLst>
+              <a:ext uri="{FF2B5EF4-FFF2-40B4-BE49-F238E27FC236}">
+                <a16:creationId xmlns:a16="http://schemas.microsoft.com/office/drawing/2014/main" id="{D5EE818E-9DAE-9523-E7EE-A41059E99647}"/>
+              </a:ext>
+            </a:extLst>
+          </p:cNvPr>
+          <p:cNvSpPr>
+            <a:spLocks noGrp="1"/>
+          </p:cNvSpPr>
+          <p:nvPr>
+            <p:ph type="title"/>
+          </p:nvPr>
+        </p:nvSpPr>
+        <p:spPr>
+          <a:xfrm>
+            <a:off x="76200" y="133350"/>
+            <a:ext cx="8229600" cy="533401"/>
+          </a:xfrm>
+        </p:spPr>
+        <p:txBody>
+          <a:bodyPr/>
+          <a:lstStyle/>
+          <a:p>
+            <a:r>
+              <a:rPr lang="en-IN" sz="2500" dirty="0">
+                <a:latin typeface="Cooper Black" panose="0208090404030B020404" pitchFamily="18" charset="0"/>
+              </a:rPr>
+              <a:t>API HUB</a:t>
+            </a:r>
+          </a:p>
+        </p:txBody>
+      </p:sp>
+      <p:sp>
+        <p:nvSpPr>
+          <p:cNvPr id="2" name="TextBox 1">
+            <a:extLst>
+              <a:ext uri="{FF2B5EF4-FFF2-40B4-BE49-F238E27FC236}">
+                <a16:creationId xmlns:a16="http://schemas.microsoft.com/office/drawing/2014/main" id="{10D76612-AFCC-576B-3D64-1F13DE1844B5}"/>
+              </a:ext>
+            </a:extLst>
+          </p:cNvPr>
+          <p:cNvSpPr txBox="1"/>
+          <p:nvPr/>
+        </p:nvSpPr>
+        <p:spPr>
+          <a:xfrm>
+            <a:off x="152400" y="666751"/>
+            <a:ext cx="8839200" cy="1815882"/>
+          </a:xfrm>
+          <a:prstGeom prst="rect">
+            <a:avLst/>
+          </a:prstGeom>
+          <a:noFill/>
+        </p:spPr>
+        <p:txBody>
+          <a:bodyPr wrap="square" rtlCol="0">
+            <a:spAutoFit/>
+          </a:bodyPr>
+          <a:lstStyle/>
+          <a:p>
+            <a:r>
+              <a:rPr lang="en-IN" sz="1600" dirty="0"/>
+              <a:t>SAP provides a publicly available website. Any developer can go and explore the APIs offered by SAP Solutions e.g. S/4HANA, BTP, Success Factors, Field Glass, Concur etc.</a:t>
+            </a:r>
+          </a:p>
+          <a:p>
+            <a:endParaRPr lang="en-IN" sz="1600" dirty="0"/>
+          </a:p>
+          <a:p>
+            <a:r>
+              <a:rPr lang="en-IN" sz="1600" dirty="0">
+                <a:hlinkClick r:id="rId2"/>
+              </a:rPr>
+              <a:t>https://api.sap.com</a:t>
+            </a:r>
+            <a:endParaRPr lang="en-IN" sz="1600" dirty="0"/>
+          </a:p>
+          <a:p>
+            <a:endParaRPr lang="en-IN" sz="1600" dirty="0"/>
+          </a:p>
+          <a:p>
+            <a:r>
+              <a:rPr lang="en-IN" sz="1600" dirty="0"/>
+              <a:t>You can request S/4HANA server access – </a:t>
+            </a:r>
+            <a:r>
+              <a:rPr lang="en-IN" sz="1600" dirty="0">
+                <a:hlinkClick r:id="rId3"/>
+              </a:rPr>
+              <a:t>server@anubhavtrainings.com</a:t>
+            </a:r>
+            <a:endParaRPr lang="en-IN" sz="1600" dirty="0"/>
+          </a:p>
+          <a:p>
+            <a:endParaRPr lang="en-IN" sz="1600" dirty="0"/>
+          </a:p>
+        </p:txBody>
+      </p:sp>
+    </p:spTree>
+    <p:extLst>
+      <p:ext uri="{BB962C8B-B14F-4D97-AF65-F5344CB8AC3E}">
+        <p14:creationId xmlns:p14="http://schemas.microsoft.com/office/powerpoint/2010/main" val="3672461106"/>
+      </p:ext>
+    </p:extLst>
+  </p:cSld>
+  <p:clrMapOvr>
+    <a:masterClrMapping/>
+  </p:clrMapOvr>
+  <mc:AlternateContent xmlns:mc="http://schemas.openxmlformats.org/markup-compatibility/2006" xmlns:p14="http://schemas.microsoft.com/office/powerpoint/2010/main">
+    <mc:Choice Requires="p14">
+      <p:transition spd="med" p14:dur="700">
+        <p:fade/>
+      </p:transition>
+    </mc:Choice>
+    <mc:Fallback xmlns="">
+      <p:transition spd="med">
+        <p:fade/>
+      </p:transition>
+    </mc:Fallback>
+  </mc:AlternateContent>
+</p:sld>
+</file>
+
+<file path=ppt/slides/slide12.xml><?xml version="1.0" encoding="utf-8"?>
+<p:sld xmlns:a="http://schemas.openxmlformats.org/drawingml/2006/main" xmlns:r="http://schemas.openxmlformats.org/officeDocument/2006/relationships" xmlns:p="http://schemas.openxmlformats.org/presentationml/2006/main">
+  <p:cSld>
+    <p:spTree>
+      <p:nvGrpSpPr>
+        <p:cNvPr id="1" name="">
+          <a:extLst>
+            <a:ext uri="{FF2B5EF4-FFF2-40B4-BE49-F238E27FC236}">
               <a16:creationId xmlns:a16="http://schemas.microsoft.com/office/drawing/2014/main" id="{2AAC003A-3303-8841-1B5B-02944F38B694}"/>
             </a:ext>
           </a:extLst>
@@ -5814,7 +6256,7 @@
             <a:fld id="{B6F15528-21DE-4FAA-801E-634DDDAF4B2B}" type="slidenum">
               <a:rPr lang="en-US" smtClean="0"/>
               <a:pPr/>
-              <a:t>10</a:t>
+              <a:t>12</a:t>
             </a:fld>
             <a:endParaRPr lang="en-US" dirty="0"/>
           </a:p>
@@ -6468,1309 +6910,7 @@
 </p:sld>
 </file>
 
-<file path=ppt/slides/slide11.xml><?xml version="1.0" encoding="utf-8"?>
-<p:sld xmlns:a="http://schemas.openxmlformats.org/drawingml/2006/main" xmlns:r="http://schemas.openxmlformats.org/officeDocument/2006/relationships" xmlns:p="http://schemas.openxmlformats.org/presentationml/2006/main">
-  <p:cSld>
-    <p:spTree>
-      <p:nvGrpSpPr>
-        <p:cNvPr id="1" name="">
-          <a:extLst>
-            <a:ext uri="{FF2B5EF4-FFF2-40B4-BE49-F238E27FC236}">
-              <a16:creationId xmlns:a16="http://schemas.microsoft.com/office/drawing/2014/main" id="{06449A91-9CCE-D194-2F1E-488EA18BAFD3}"/>
-            </a:ext>
-          </a:extLst>
-        </p:cNvPr>
-        <p:cNvGrpSpPr/>
-        <p:nvPr/>
-      </p:nvGrpSpPr>
-      <p:grpSpPr>
-        <a:xfrm>
-          <a:off x="0" y="0"/>
-          <a:ext cx="0" cy="0"/>
-          <a:chOff x="0" y="0"/>
-          <a:chExt cx="0" cy="0"/>
-        </a:xfrm>
-      </p:grpSpPr>
-      <p:sp>
-        <p:nvSpPr>
-          <p:cNvPr id="3" name="Footer Placeholder 2">
-            <a:extLst>
-              <a:ext uri="{FF2B5EF4-FFF2-40B4-BE49-F238E27FC236}">
-                <a16:creationId xmlns:a16="http://schemas.microsoft.com/office/drawing/2014/main" id="{FBCFD143-0DF2-50BD-4070-A161621645E5}"/>
-              </a:ext>
-            </a:extLst>
-          </p:cNvPr>
-          <p:cNvSpPr>
-            <a:spLocks noGrp="1"/>
-          </p:cNvSpPr>
-          <p:nvPr>
-            <p:ph type="ftr" sz="quarter" idx="11"/>
-          </p:nvPr>
-        </p:nvSpPr>
-        <p:spPr/>
-        <p:txBody>
-          <a:bodyPr/>
-          <a:lstStyle/>
-          <a:p>
-            <a:r>
-              <a:rPr lang="en-US" dirty="0"/>
-              <a:t>www.anubhavtrainings.com</a:t>
-            </a:r>
-          </a:p>
-        </p:txBody>
-      </p:sp>
-      <p:sp>
-        <p:nvSpPr>
-          <p:cNvPr id="4" name="Slide Number Placeholder 3">
-            <a:extLst>
-              <a:ext uri="{FF2B5EF4-FFF2-40B4-BE49-F238E27FC236}">
-                <a16:creationId xmlns:a16="http://schemas.microsoft.com/office/drawing/2014/main" id="{140BDB00-DC60-80E6-04F5-6B41F4B87208}"/>
-              </a:ext>
-            </a:extLst>
-          </p:cNvPr>
-          <p:cNvSpPr>
-            <a:spLocks noGrp="1"/>
-          </p:cNvSpPr>
-          <p:nvPr>
-            <p:ph type="sldNum" sz="quarter" idx="12"/>
-          </p:nvPr>
-        </p:nvSpPr>
-        <p:spPr>
-          <a:xfrm>
-            <a:off x="152400" y="4781550"/>
-            <a:ext cx="457200" cy="273844"/>
-          </a:xfrm>
-        </p:spPr>
-        <p:txBody>
-          <a:bodyPr/>
-          <a:lstStyle/>
-          <a:p>
-            <a:fld id="{B6F15528-21DE-4FAA-801E-634DDDAF4B2B}" type="slidenum">
-              <a:rPr lang="en-US" smtClean="0"/>
-              <a:pPr/>
-              <a:t>11</a:t>
-            </a:fld>
-            <a:endParaRPr lang="en-US" dirty="0"/>
-          </a:p>
-        </p:txBody>
-      </p:sp>
-      <p:sp>
-        <p:nvSpPr>
-          <p:cNvPr id="5" name="Title 4">
-            <a:extLst>
-              <a:ext uri="{FF2B5EF4-FFF2-40B4-BE49-F238E27FC236}">
-                <a16:creationId xmlns:a16="http://schemas.microsoft.com/office/drawing/2014/main" id="{69B825DE-D275-21D9-5079-6B46978EEF82}"/>
-              </a:ext>
-            </a:extLst>
-          </p:cNvPr>
-          <p:cNvSpPr>
-            <a:spLocks noGrp="1"/>
-          </p:cNvSpPr>
-          <p:nvPr>
-            <p:ph type="title"/>
-          </p:nvPr>
-        </p:nvSpPr>
-        <p:spPr>
-          <a:xfrm>
-            <a:off x="76200" y="133350"/>
-            <a:ext cx="8229600" cy="533401"/>
-          </a:xfrm>
-        </p:spPr>
-        <p:txBody>
-          <a:bodyPr/>
-          <a:lstStyle/>
-          <a:p>
-            <a:r>
-              <a:rPr lang="en-IN" sz="2500" dirty="0">
-                <a:latin typeface="Cooper Black" panose="0208090404030B020404" pitchFamily="18" charset="0"/>
-              </a:rPr>
-              <a:t>Scenario</a:t>
-            </a:r>
-          </a:p>
-        </p:txBody>
-      </p:sp>
-      <p:pic>
-        <p:nvPicPr>
-          <p:cNvPr id="6" name="Picture 5" descr="A person pointing at a computer&#10;&#10;Description automatically generated">
-            <a:extLst>
-              <a:ext uri="{FF2B5EF4-FFF2-40B4-BE49-F238E27FC236}">
-                <a16:creationId xmlns:a16="http://schemas.microsoft.com/office/drawing/2014/main" id="{6E25B006-F379-0963-9334-A18A5839D0AD}"/>
-              </a:ext>
-            </a:extLst>
-          </p:cNvPr>
-          <p:cNvPicPr>
-            <a:picLocks noChangeAspect="1"/>
-          </p:cNvPicPr>
-          <p:nvPr/>
-        </p:nvPicPr>
-        <p:blipFill>
-          <a:blip r:embed="rId2" cstate="print">
-            <a:extLst>
-              <a:ext uri="{28A0092B-C50C-407E-A947-70E740481C1C}">
-                <a14:useLocalDpi xmlns:a14="http://schemas.microsoft.com/office/drawing/2010/main" val="0"/>
-              </a:ext>
-              <a:ext uri="{837473B0-CC2E-450A-ABE3-18F120FF3D39}">
-                <a1611:picAttrSrcUrl xmlns:a1611="http://schemas.microsoft.com/office/drawing/2016/11/main" r:id="rId3"/>
-              </a:ext>
-            </a:extLst>
-          </a:blip>
-          <a:stretch>
-            <a:fillRect/>
-          </a:stretch>
-        </p:blipFill>
-        <p:spPr>
-          <a:xfrm>
-            <a:off x="236075" y="971550"/>
-            <a:ext cx="2126125" cy="1450219"/>
-          </a:xfrm>
-          <a:prstGeom prst="rect">
-            <a:avLst/>
-          </a:prstGeom>
-        </p:spPr>
-      </p:pic>
-      <p:pic>
-        <p:nvPicPr>
-          <p:cNvPr id="8" name="Picture 7" descr="A person wearing a headset and looking at a computer&#10;&#10;Description automatically generated">
-            <a:extLst>
-              <a:ext uri="{FF2B5EF4-FFF2-40B4-BE49-F238E27FC236}">
-                <a16:creationId xmlns:a16="http://schemas.microsoft.com/office/drawing/2014/main" id="{CB379A3E-C337-0EF8-8937-7E680FAEC84F}"/>
-              </a:ext>
-            </a:extLst>
-          </p:cNvPr>
-          <p:cNvPicPr>
-            <a:picLocks noChangeAspect="1"/>
-          </p:cNvPicPr>
-          <p:nvPr/>
-        </p:nvPicPr>
-        <p:blipFill>
-          <a:blip r:embed="rId4" cstate="print">
-            <a:extLst>
-              <a:ext uri="{28A0092B-C50C-407E-A947-70E740481C1C}">
-                <a14:useLocalDpi xmlns:a14="http://schemas.microsoft.com/office/drawing/2010/main" val="0"/>
-              </a:ext>
-              <a:ext uri="{837473B0-CC2E-450A-ABE3-18F120FF3D39}">
-                <a1611:picAttrSrcUrl xmlns:a1611="http://schemas.microsoft.com/office/drawing/2016/11/main" r:id="rId5"/>
-              </a:ext>
-            </a:extLst>
-          </a:blip>
-          <a:stretch>
-            <a:fillRect/>
-          </a:stretch>
-        </p:blipFill>
-        <p:spPr>
-          <a:xfrm>
-            <a:off x="7507864" y="715798"/>
-            <a:ext cx="1309939" cy="1480602"/>
-          </a:xfrm>
-          <a:prstGeom prst="rect">
-            <a:avLst/>
-          </a:prstGeom>
-        </p:spPr>
-      </p:pic>
-      <p:sp>
-        <p:nvSpPr>
-          <p:cNvPr id="9" name="TextBox 8">
-            <a:extLst>
-              <a:ext uri="{FF2B5EF4-FFF2-40B4-BE49-F238E27FC236}">
-                <a16:creationId xmlns:a16="http://schemas.microsoft.com/office/drawing/2014/main" id="{5A0B23B1-780E-AEA9-725D-C38C97CD7437}"/>
-              </a:ext>
-            </a:extLst>
-          </p:cNvPr>
-          <p:cNvSpPr txBox="1"/>
-          <p:nvPr/>
-        </p:nvSpPr>
-        <p:spPr>
-          <a:xfrm>
-            <a:off x="236075" y="2495550"/>
-            <a:ext cx="2126125" cy="523220"/>
-          </a:xfrm>
-          <a:prstGeom prst="rect">
-            <a:avLst/>
-          </a:prstGeom>
-          <a:noFill/>
-        </p:spPr>
-        <p:txBody>
-          <a:bodyPr wrap="square" rtlCol="0">
-            <a:spAutoFit/>
-          </a:bodyPr>
-          <a:lstStyle/>
-          <a:p>
-            <a:r>
-              <a:rPr lang="en-IN" sz="1400" b="1" dirty="0"/>
-              <a:t>Sales Representative</a:t>
-            </a:r>
-          </a:p>
-          <a:p>
-            <a:r>
-              <a:rPr lang="en-IN" sz="1400" b="1" dirty="0"/>
-              <a:t>(</a:t>
-            </a:r>
-            <a:r>
-              <a:rPr lang="en-IN" sz="1400" b="1" dirty="0" err="1"/>
-              <a:t>fedEx</a:t>
-            </a:r>
-            <a:r>
-              <a:rPr lang="en-IN" sz="1400" b="1" dirty="0"/>
-              <a:t> office)</a:t>
-            </a:r>
-          </a:p>
-        </p:txBody>
-      </p:sp>
-      <p:sp>
-        <p:nvSpPr>
-          <p:cNvPr id="10" name="Rectangle: Rounded Corners 9">
-            <a:extLst>
-              <a:ext uri="{FF2B5EF4-FFF2-40B4-BE49-F238E27FC236}">
-                <a16:creationId xmlns:a16="http://schemas.microsoft.com/office/drawing/2014/main" id="{DC4F5F70-E8AA-D171-1092-2DDD578A9EA1}"/>
-              </a:ext>
-            </a:extLst>
-          </p:cNvPr>
-          <p:cNvSpPr/>
-          <p:nvPr/>
-        </p:nvSpPr>
-        <p:spPr>
-          <a:xfrm>
-            <a:off x="2895600" y="959497"/>
-            <a:ext cx="990600" cy="1447800"/>
-          </a:xfrm>
-          <a:prstGeom prst="roundRect">
-            <a:avLst/>
-          </a:prstGeom>
-        </p:spPr>
-        <p:style>
-          <a:lnRef idx="2">
-            <a:schemeClr val="accent1">
-              <a:shade val="15000"/>
-            </a:schemeClr>
-          </a:lnRef>
-          <a:fillRef idx="1">
-            <a:schemeClr val="accent1"/>
-          </a:fillRef>
-          <a:effectRef idx="0">
-            <a:schemeClr val="accent1"/>
-          </a:effectRef>
-          <a:fontRef idx="minor">
-            <a:schemeClr val="lt1"/>
-          </a:fontRef>
-        </p:style>
-        <p:txBody>
-          <a:bodyPr rtlCol="0" anchor="ctr"/>
-          <a:lstStyle/>
-          <a:p>
-            <a:pPr algn="ctr"/>
-            <a:r>
-              <a:rPr lang="en-IN" dirty="0"/>
-              <a:t>Sales Order</a:t>
-            </a:r>
-          </a:p>
-        </p:txBody>
-      </p:sp>
-      <p:sp>
-        <p:nvSpPr>
-          <p:cNvPr id="11" name="Rectangle 10">
-            <a:extLst>
-              <a:ext uri="{FF2B5EF4-FFF2-40B4-BE49-F238E27FC236}">
-                <a16:creationId xmlns:a16="http://schemas.microsoft.com/office/drawing/2014/main" id="{D660C656-96C5-CE72-3EDC-1CC0227806E4}"/>
-              </a:ext>
-            </a:extLst>
-          </p:cNvPr>
-          <p:cNvSpPr/>
-          <p:nvPr/>
-        </p:nvSpPr>
-        <p:spPr>
-          <a:xfrm>
-            <a:off x="2061137" y="3368119"/>
-            <a:ext cx="2126125" cy="685800"/>
-          </a:xfrm>
-          <a:prstGeom prst="rect">
-            <a:avLst/>
-          </a:prstGeom>
-        </p:spPr>
-        <p:style>
-          <a:lnRef idx="2">
-            <a:schemeClr val="accent1">
-              <a:shade val="15000"/>
-            </a:schemeClr>
-          </a:lnRef>
-          <a:fillRef idx="1">
-            <a:schemeClr val="accent1"/>
-          </a:fillRef>
-          <a:effectRef idx="0">
-            <a:schemeClr val="accent1"/>
-          </a:effectRef>
-          <a:fontRef idx="minor">
-            <a:schemeClr val="lt1"/>
-          </a:fontRef>
-        </p:style>
-        <p:txBody>
-          <a:bodyPr rtlCol="0" anchor="ctr"/>
-          <a:lstStyle/>
-          <a:p>
-            <a:pPr algn="ctr"/>
-            <a:r>
-              <a:rPr lang="en-IN" dirty="0"/>
-              <a:t>S/4HANA</a:t>
-            </a:r>
-          </a:p>
-        </p:txBody>
-      </p:sp>
-      <p:sp>
-        <p:nvSpPr>
-          <p:cNvPr id="12" name="Arrow: Right 11">
-            <a:extLst>
-              <a:ext uri="{FF2B5EF4-FFF2-40B4-BE49-F238E27FC236}">
-                <a16:creationId xmlns:a16="http://schemas.microsoft.com/office/drawing/2014/main" id="{5B757AC3-0308-30BC-D283-5E6B2149DF90}"/>
-              </a:ext>
-            </a:extLst>
-          </p:cNvPr>
-          <p:cNvSpPr/>
-          <p:nvPr/>
-        </p:nvSpPr>
-        <p:spPr>
-          <a:xfrm>
-            <a:off x="2362200" y="1428750"/>
-            <a:ext cx="533400" cy="523220"/>
-          </a:xfrm>
-          <a:prstGeom prst="rightArrow">
-            <a:avLst/>
-          </a:prstGeom>
-        </p:spPr>
-        <p:style>
-          <a:lnRef idx="2">
-            <a:schemeClr val="accent1">
-              <a:shade val="15000"/>
-            </a:schemeClr>
-          </a:lnRef>
-          <a:fillRef idx="1">
-            <a:schemeClr val="accent1"/>
-          </a:fillRef>
-          <a:effectRef idx="0">
-            <a:schemeClr val="accent1"/>
-          </a:effectRef>
-          <a:fontRef idx="minor">
-            <a:schemeClr val="lt1"/>
-          </a:fontRef>
-        </p:style>
-        <p:txBody>
-          <a:bodyPr rtlCol="0" anchor="ctr"/>
-          <a:lstStyle/>
-          <a:p>
-            <a:pPr algn="ctr"/>
-            <a:endParaRPr lang="en-IN"/>
-          </a:p>
-        </p:txBody>
-      </p:sp>
-      <p:cxnSp>
-        <p:nvCxnSpPr>
-          <p:cNvPr id="14" name="Connector: Elbow 13">
-            <a:extLst>
-              <a:ext uri="{FF2B5EF4-FFF2-40B4-BE49-F238E27FC236}">
-                <a16:creationId xmlns:a16="http://schemas.microsoft.com/office/drawing/2014/main" id="{91E64308-056C-8A45-3AEB-755540EBA7AE}"/>
-              </a:ext>
-            </a:extLst>
-          </p:cNvPr>
-          <p:cNvCxnSpPr>
-            <a:stCxn id="10" idx="2"/>
-            <a:endCxn id="11" idx="0"/>
-          </p:cNvCxnSpPr>
-          <p:nvPr/>
-        </p:nvCxnSpPr>
-        <p:spPr>
-          <a:xfrm rot="5400000">
-            <a:off x="2777139" y="2754358"/>
-            <a:ext cx="960822" cy="266700"/>
-          </a:xfrm>
-          <a:prstGeom prst="bentConnector3">
-            <a:avLst/>
-          </a:prstGeom>
-          <a:ln>
-            <a:tailEnd type="triangle"/>
-          </a:ln>
-        </p:spPr>
-        <p:style>
-          <a:lnRef idx="1">
-            <a:schemeClr val="accent1"/>
-          </a:lnRef>
-          <a:fillRef idx="0">
-            <a:schemeClr val="accent1"/>
-          </a:fillRef>
-          <a:effectRef idx="0">
-            <a:schemeClr val="accent1"/>
-          </a:effectRef>
-          <a:fontRef idx="minor">
-            <a:schemeClr val="tx1"/>
-          </a:fontRef>
-        </p:style>
-      </p:cxnSp>
-      <p:sp>
-        <p:nvSpPr>
-          <p:cNvPr id="15" name="Rectangle 14">
-            <a:extLst>
-              <a:ext uri="{FF2B5EF4-FFF2-40B4-BE49-F238E27FC236}">
-                <a16:creationId xmlns:a16="http://schemas.microsoft.com/office/drawing/2014/main" id="{BA555106-A687-82CC-4F6D-60C560D2878C}"/>
-              </a:ext>
-            </a:extLst>
-          </p:cNvPr>
-          <p:cNvSpPr/>
-          <p:nvPr/>
-        </p:nvSpPr>
-        <p:spPr>
-          <a:xfrm>
-            <a:off x="4876800" y="590550"/>
-            <a:ext cx="2478665" cy="3886200"/>
-          </a:xfrm>
-          <a:prstGeom prst="rect">
-            <a:avLst/>
-          </a:prstGeom>
-        </p:spPr>
-        <p:style>
-          <a:lnRef idx="2">
-            <a:schemeClr val="accent1">
-              <a:shade val="15000"/>
-            </a:schemeClr>
-          </a:lnRef>
-          <a:fillRef idx="1">
-            <a:schemeClr val="accent1"/>
-          </a:fillRef>
-          <a:effectRef idx="0">
-            <a:schemeClr val="accent1"/>
-          </a:effectRef>
-          <a:fontRef idx="minor">
-            <a:schemeClr val="lt1"/>
-          </a:fontRef>
-        </p:style>
-        <p:txBody>
-          <a:bodyPr rtlCol="0" anchor="ctr"/>
-          <a:lstStyle/>
-          <a:p>
-            <a:pPr algn="ctr"/>
-            <a:endParaRPr lang="en-IN" dirty="0"/>
-          </a:p>
-          <a:p>
-            <a:pPr algn="ctr"/>
-            <a:endParaRPr lang="en-IN" dirty="0"/>
-          </a:p>
-          <a:p>
-            <a:pPr algn="ctr"/>
-            <a:endParaRPr lang="en-IN" dirty="0"/>
-          </a:p>
-          <a:p>
-            <a:pPr algn="ctr"/>
-            <a:endParaRPr lang="en-IN" dirty="0"/>
-          </a:p>
-          <a:p>
-            <a:pPr algn="ctr"/>
-            <a:endParaRPr lang="en-IN" dirty="0"/>
-          </a:p>
-          <a:p>
-            <a:pPr algn="ctr"/>
-            <a:endParaRPr lang="en-IN" dirty="0"/>
-          </a:p>
-          <a:p>
-            <a:pPr algn="ctr"/>
-            <a:endParaRPr lang="en-IN" dirty="0"/>
-          </a:p>
-          <a:p>
-            <a:pPr algn="ctr"/>
-            <a:endParaRPr lang="en-IN" dirty="0"/>
-          </a:p>
-          <a:p>
-            <a:pPr algn="ctr"/>
-            <a:endParaRPr lang="en-IN" dirty="0"/>
-          </a:p>
-          <a:p>
-            <a:pPr algn="ctr"/>
-            <a:endParaRPr lang="en-IN" dirty="0"/>
-          </a:p>
-          <a:p>
-            <a:pPr algn="ctr"/>
-            <a:r>
-              <a:rPr lang="en-IN" dirty="0"/>
-              <a:t>Build Process Automation</a:t>
-            </a:r>
-          </a:p>
-          <a:p>
-            <a:pPr algn="ctr"/>
-            <a:r>
-              <a:rPr lang="en-IN" dirty="0"/>
-              <a:t>BTP</a:t>
-            </a:r>
-          </a:p>
-        </p:txBody>
-      </p:sp>
-      <p:sp>
-        <p:nvSpPr>
-          <p:cNvPr id="16" name="Rectangle 15">
-            <a:extLst>
-              <a:ext uri="{FF2B5EF4-FFF2-40B4-BE49-F238E27FC236}">
-                <a16:creationId xmlns:a16="http://schemas.microsoft.com/office/drawing/2014/main" id="{B67E1720-8547-A044-6E7F-012864CA47ED}"/>
-              </a:ext>
-            </a:extLst>
-          </p:cNvPr>
-          <p:cNvSpPr/>
-          <p:nvPr/>
-        </p:nvSpPr>
-        <p:spPr>
-          <a:xfrm>
-            <a:off x="5811332" y="1151300"/>
-            <a:ext cx="609600" cy="304800"/>
-          </a:xfrm>
-          <a:prstGeom prst="rect">
-            <a:avLst/>
-          </a:prstGeom>
-        </p:spPr>
-        <p:style>
-          <a:lnRef idx="2">
-            <a:schemeClr val="accent1">
-              <a:shade val="15000"/>
-            </a:schemeClr>
-          </a:lnRef>
-          <a:fillRef idx="1">
-            <a:schemeClr val="accent1"/>
-          </a:fillRef>
-          <a:effectRef idx="0">
-            <a:schemeClr val="accent1"/>
-          </a:effectRef>
-          <a:fontRef idx="minor">
-            <a:schemeClr val="lt1"/>
-          </a:fontRef>
-        </p:style>
-        <p:txBody>
-          <a:bodyPr rtlCol="0" anchor="ctr"/>
-          <a:lstStyle/>
-          <a:p>
-            <a:pPr algn="ctr"/>
-            <a:r>
-              <a:rPr lang="en-IN" sz="900" dirty="0"/>
-              <a:t>approval</a:t>
-            </a:r>
-          </a:p>
-        </p:txBody>
-      </p:sp>
-      <p:sp>
-        <p:nvSpPr>
-          <p:cNvPr id="17" name="Oval 16">
-            <a:extLst>
-              <a:ext uri="{FF2B5EF4-FFF2-40B4-BE49-F238E27FC236}">
-                <a16:creationId xmlns:a16="http://schemas.microsoft.com/office/drawing/2014/main" id="{580BC323-2446-FCDE-0A01-2D53BF1587D0}"/>
-              </a:ext>
-            </a:extLst>
-          </p:cNvPr>
-          <p:cNvSpPr/>
-          <p:nvPr/>
-        </p:nvSpPr>
-        <p:spPr>
-          <a:xfrm>
-            <a:off x="5963732" y="710148"/>
-            <a:ext cx="304800" cy="247116"/>
-          </a:xfrm>
-          <a:prstGeom prst="ellipse">
-            <a:avLst/>
-          </a:prstGeom>
-        </p:spPr>
-        <p:style>
-          <a:lnRef idx="2">
-            <a:schemeClr val="accent1">
-              <a:shade val="15000"/>
-            </a:schemeClr>
-          </a:lnRef>
-          <a:fillRef idx="1">
-            <a:schemeClr val="accent1"/>
-          </a:fillRef>
-          <a:effectRef idx="0">
-            <a:schemeClr val="accent1"/>
-          </a:effectRef>
-          <a:fontRef idx="minor">
-            <a:schemeClr val="lt1"/>
-          </a:fontRef>
-        </p:style>
-        <p:txBody>
-          <a:bodyPr rtlCol="0" anchor="ctr"/>
-          <a:lstStyle/>
-          <a:p>
-            <a:pPr algn="ctr"/>
-            <a:endParaRPr lang="en-IN"/>
-          </a:p>
-        </p:txBody>
-      </p:sp>
-      <p:sp>
-        <p:nvSpPr>
-          <p:cNvPr id="18" name="Rectangle 17">
-            <a:extLst>
-              <a:ext uri="{FF2B5EF4-FFF2-40B4-BE49-F238E27FC236}">
-                <a16:creationId xmlns:a16="http://schemas.microsoft.com/office/drawing/2014/main" id="{3D46BD2C-AAF6-0157-E21E-E70F9BA07118}"/>
-              </a:ext>
-            </a:extLst>
-          </p:cNvPr>
-          <p:cNvSpPr/>
-          <p:nvPr/>
-        </p:nvSpPr>
-        <p:spPr>
-          <a:xfrm>
-            <a:off x="5177872" y="1712635"/>
-            <a:ext cx="609600" cy="304800"/>
-          </a:xfrm>
-          <a:prstGeom prst="rect">
-            <a:avLst/>
-          </a:prstGeom>
-        </p:spPr>
-        <p:style>
-          <a:lnRef idx="2">
-            <a:schemeClr val="accent1">
-              <a:shade val="15000"/>
-            </a:schemeClr>
-          </a:lnRef>
-          <a:fillRef idx="1">
-            <a:schemeClr val="accent1"/>
-          </a:fillRef>
-          <a:effectRef idx="0">
-            <a:schemeClr val="accent1"/>
-          </a:effectRef>
-          <a:fontRef idx="minor">
-            <a:schemeClr val="lt1"/>
-          </a:fontRef>
-        </p:style>
-        <p:txBody>
-          <a:bodyPr rtlCol="0" anchor="ctr"/>
-          <a:lstStyle/>
-          <a:p>
-            <a:pPr algn="ctr"/>
-            <a:r>
-              <a:rPr lang="en-IN" sz="1200" dirty="0"/>
-              <a:t>form</a:t>
-            </a:r>
-          </a:p>
-        </p:txBody>
-      </p:sp>
-      <p:sp>
-        <p:nvSpPr>
-          <p:cNvPr id="19" name="Rectangle 18">
-            <a:extLst>
-              <a:ext uri="{FF2B5EF4-FFF2-40B4-BE49-F238E27FC236}">
-                <a16:creationId xmlns:a16="http://schemas.microsoft.com/office/drawing/2014/main" id="{501E0D3B-5331-316A-F69D-5422BF9C3919}"/>
-              </a:ext>
-            </a:extLst>
-          </p:cNvPr>
-          <p:cNvSpPr/>
-          <p:nvPr/>
-        </p:nvSpPr>
-        <p:spPr>
-          <a:xfrm>
-            <a:off x="6473272" y="1706883"/>
-            <a:ext cx="609600" cy="304800"/>
-          </a:xfrm>
-          <a:prstGeom prst="rect">
-            <a:avLst/>
-          </a:prstGeom>
-        </p:spPr>
-        <p:style>
-          <a:lnRef idx="2">
-            <a:schemeClr val="accent1">
-              <a:shade val="15000"/>
-            </a:schemeClr>
-          </a:lnRef>
-          <a:fillRef idx="1">
-            <a:schemeClr val="accent1"/>
-          </a:fillRef>
-          <a:effectRef idx="0">
-            <a:schemeClr val="accent1"/>
-          </a:effectRef>
-          <a:fontRef idx="minor">
-            <a:schemeClr val="lt1"/>
-          </a:fontRef>
-        </p:style>
-        <p:txBody>
-          <a:bodyPr rtlCol="0" anchor="ctr"/>
-          <a:lstStyle/>
-          <a:p>
-            <a:pPr algn="ctr"/>
-            <a:r>
-              <a:rPr lang="en-IN" dirty="0"/>
-              <a:t>mail</a:t>
-            </a:r>
-          </a:p>
-        </p:txBody>
-      </p:sp>
-      <p:sp>
-        <p:nvSpPr>
-          <p:cNvPr id="20" name="Oval 19">
-            <a:extLst>
-              <a:ext uri="{FF2B5EF4-FFF2-40B4-BE49-F238E27FC236}">
-                <a16:creationId xmlns:a16="http://schemas.microsoft.com/office/drawing/2014/main" id="{1E1B94AD-D938-4137-CC3B-99DA10F556CF}"/>
-              </a:ext>
-            </a:extLst>
-          </p:cNvPr>
-          <p:cNvSpPr/>
-          <p:nvPr/>
-        </p:nvSpPr>
-        <p:spPr>
-          <a:xfrm>
-            <a:off x="6019800" y="2564607"/>
-            <a:ext cx="248732" cy="235743"/>
-          </a:xfrm>
-          <a:prstGeom prst="ellipse">
-            <a:avLst/>
-          </a:prstGeom>
-        </p:spPr>
-        <p:style>
-          <a:lnRef idx="2">
-            <a:schemeClr val="accent1">
-              <a:shade val="15000"/>
-            </a:schemeClr>
-          </a:lnRef>
-          <a:fillRef idx="1">
-            <a:schemeClr val="accent1"/>
-          </a:fillRef>
-          <a:effectRef idx="0">
-            <a:schemeClr val="accent1"/>
-          </a:effectRef>
-          <a:fontRef idx="minor">
-            <a:schemeClr val="lt1"/>
-          </a:fontRef>
-        </p:style>
-        <p:txBody>
-          <a:bodyPr rtlCol="0" anchor="ctr"/>
-          <a:lstStyle/>
-          <a:p>
-            <a:pPr algn="ctr"/>
-            <a:endParaRPr lang="en-IN"/>
-          </a:p>
-        </p:txBody>
-      </p:sp>
-      <p:cxnSp>
-        <p:nvCxnSpPr>
-          <p:cNvPr id="22" name="Connector: Elbow 21">
-            <a:extLst>
-              <a:ext uri="{FF2B5EF4-FFF2-40B4-BE49-F238E27FC236}">
-                <a16:creationId xmlns:a16="http://schemas.microsoft.com/office/drawing/2014/main" id="{D5996196-E1BE-078D-5F96-3F59DC91C490}"/>
-              </a:ext>
-            </a:extLst>
-          </p:cNvPr>
-          <p:cNvCxnSpPr>
-            <a:stCxn id="11" idx="3"/>
-            <a:endCxn id="15" idx="1"/>
-          </p:cNvCxnSpPr>
-          <p:nvPr/>
-        </p:nvCxnSpPr>
-        <p:spPr>
-          <a:xfrm flipV="1">
-            <a:off x="4187262" y="2533650"/>
-            <a:ext cx="689538" cy="1177369"/>
-          </a:xfrm>
-          <a:prstGeom prst="bentConnector3">
-            <a:avLst/>
-          </a:prstGeom>
-          <a:ln>
-            <a:tailEnd type="triangle"/>
-          </a:ln>
-        </p:spPr>
-        <p:style>
-          <a:lnRef idx="1">
-            <a:schemeClr val="accent1"/>
-          </a:lnRef>
-          <a:fillRef idx="0">
-            <a:schemeClr val="accent1"/>
-          </a:fillRef>
-          <a:effectRef idx="0">
-            <a:schemeClr val="accent1"/>
-          </a:effectRef>
-          <a:fontRef idx="minor">
-            <a:schemeClr val="tx1"/>
-          </a:fontRef>
-        </p:style>
-      </p:cxnSp>
-      <p:cxnSp>
-        <p:nvCxnSpPr>
-          <p:cNvPr id="24" name="Straight Arrow Connector 23">
-            <a:extLst>
-              <a:ext uri="{FF2B5EF4-FFF2-40B4-BE49-F238E27FC236}">
-                <a16:creationId xmlns:a16="http://schemas.microsoft.com/office/drawing/2014/main" id="{F1EA5F03-E228-AA1C-C8FC-18F680677EAB}"/>
-              </a:ext>
-            </a:extLst>
-          </p:cNvPr>
-          <p:cNvCxnSpPr>
-            <a:stCxn id="10" idx="3"/>
-          </p:cNvCxnSpPr>
-          <p:nvPr/>
-        </p:nvCxnSpPr>
-        <p:spPr>
-          <a:xfrm>
-            <a:off x="3886200" y="1683397"/>
-            <a:ext cx="1020631" cy="23486"/>
-          </a:xfrm>
-          <a:prstGeom prst="straightConnector1">
-            <a:avLst/>
-          </a:prstGeom>
-          <a:ln>
-            <a:tailEnd type="triangle"/>
-          </a:ln>
-        </p:spPr>
-        <p:style>
-          <a:lnRef idx="1">
-            <a:schemeClr val="accent1"/>
-          </a:lnRef>
-          <a:fillRef idx="0">
-            <a:schemeClr val="accent1"/>
-          </a:fillRef>
-          <a:effectRef idx="0">
-            <a:schemeClr val="accent1"/>
-          </a:effectRef>
-          <a:fontRef idx="minor">
-            <a:schemeClr val="tx1"/>
-          </a:fontRef>
-        </p:style>
-      </p:cxnSp>
-      <p:cxnSp>
-        <p:nvCxnSpPr>
-          <p:cNvPr id="26" name="Straight Arrow Connector 25">
-            <a:extLst>
-              <a:ext uri="{FF2B5EF4-FFF2-40B4-BE49-F238E27FC236}">
-                <a16:creationId xmlns:a16="http://schemas.microsoft.com/office/drawing/2014/main" id="{6B04F91E-5EE1-3BA7-4F20-44FE53A88135}"/>
-              </a:ext>
-            </a:extLst>
-          </p:cNvPr>
-          <p:cNvCxnSpPr>
-            <a:cxnSpLocks/>
-            <a:stCxn id="17" idx="4"/>
-            <a:endCxn id="16" idx="0"/>
-          </p:cNvCxnSpPr>
-          <p:nvPr/>
-        </p:nvCxnSpPr>
-        <p:spPr>
-          <a:xfrm>
-            <a:off x="6116132" y="957264"/>
-            <a:ext cx="0" cy="194036"/>
-          </a:xfrm>
-          <a:prstGeom prst="straightConnector1">
-            <a:avLst/>
-          </a:prstGeom>
-          <a:ln>
-            <a:tailEnd type="triangle"/>
-          </a:ln>
-        </p:spPr>
-        <p:style>
-          <a:lnRef idx="1">
-            <a:schemeClr val="accent6"/>
-          </a:lnRef>
-          <a:fillRef idx="0">
-            <a:schemeClr val="accent6"/>
-          </a:fillRef>
-          <a:effectRef idx="0">
-            <a:schemeClr val="accent6"/>
-          </a:effectRef>
-          <a:fontRef idx="minor">
-            <a:schemeClr val="tx1"/>
-          </a:fontRef>
-        </p:style>
-      </p:cxnSp>
-      <p:cxnSp>
-        <p:nvCxnSpPr>
-          <p:cNvPr id="29" name="Connector: Elbow 28">
-            <a:extLst>
-              <a:ext uri="{FF2B5EF4-FFF2-40B4-BE49-F238E27FC236}">
-                <a16:creationId xmlns:a16="http://schemas.microsoft.com/office/drawing/2014/main" id="{CA563B2D-746A-9D23-D5DC-C1435D02EC5F}"/>
-              </a:ext>
-            </a:extLst>
-          </p:cNvPr>
-          <p:cNvCxnSpPr>
-            <a:stCxn id="16" idx="2"/>
-            <a:endCxn id="18" idx="0"/>
-          </p:cNvCxnSpPr>
-          <p:nvPr/>
-        </p:nvCxnSpPr>
-        <p:spPr>
-          <a:xfrm rot="5400000">
-            <a:off x="5671135" y="1267637"/>
-            <a:ext cx="256535" cy="633460"/>
-          </a:xfrm>
-          <a:prstGeom prst="bentConnector3">
-            <a:avLst/>
-          </a:prstGeom>
-          <a:ln>
-            <a:solidFill>
-              <a:srgbClr val="92D050"/>
-            </a:solidFill>
-            <a:tailEnd type="triangle"/>
-          </a:ln>
-        </p:spPr>
-        <p:style>
-          <a:lnRef idx="1">
-            <a:schemeClr val="accent2"/>
-          </a:lnRef>
-          <a:fillRef idx="0">
-            <a:schemeClr val="accent2"/>
-          </a:fillRef>
-          <a:effectRef idx="0">
-            <a:schemeClr val="accent2"/>
-          </a:effectRef>
-          <a:fontRef idx="minor">
-            <a:schemeClr val="tx1"/>
-          </a:fontRef>
-        </p:style>
-      </p:cxnSp>
-      <p:cxnSp>
-        <p:nvCxnSpPr>
-          <p:cNvPr id="30" name="Connector: Elbow 29">
-            <a:extLst>
-              <a:ext uri="{FF2B5EF4-FFF2-40B4-BE49-F238E27FC236}">
-                <a16:creationId xmlns:a16="http://schemas.microsoft.com/office/drawing/2014/main" id="{0A87D117-BA17-069E-3F18-06FFA0282869}"/>
-              </a:ext>
-            </a:extLst>
-          </p:cNvPr>
-          <p:cNvCxnSpPr>
-            <a:cxnSpLocks/>
-            <a:stCxn id="16" idx="2"/>
-            <a:endCxn id="19" idx="0"/>
-          </p:cNvCxnSpPr>
-          <p:nvPr/>
-        </p:nvCxnSpPr>
-        <p:spPr>
-          <a:xfrm rot="16200000" flipH="1">
-            <a:off x="6321711" y="1250521"/>
-            <a:ext cx="250783" cy="661940"/>
-          </a:xfrm>
-          <a:prstGeom prst="bentConnector3">
-            <a:avLst>
-              <a:gd name="adj1" fmla="val 50000"/>
-            </a:avLst>
-          </a:prstGeom>
-          <a:ln>
-            <a:tailEnd type="triangle"/>
-          </a:ln>
-        </p:spPr>
-        <p:style>
-          <a:lnRef idx="1">
-            <a:schemeClr val="accent2"/>
-          </a:lnRef>
-          <a:fillRef idx="0">
-            <a:schemeClr val="accent2"/>
-          </a:fillRef>
-          <a:effectRef idx="0">
-            <a:schemeClr val="accent2"/>
-          </a:effectRef>
-          <a:fontRef idx="minor">
-            <a:schemeClr val="tx1"/>
-          </a:fontRef>
-        </p:style>
-      </p:cxnSp>
-      <p:cxnSp>
-        <p:nvCxnSpPr>
-          <p:cNvPr id="34" name="Connector: Elbow 33">
-            <a:extLst>
-              <a:ext uri="{FF2B5EF4-FFF2-40B4-BE49-F238E27FC236}">
-                <a16:creationId xmlns:a16="http://schemas.microsoft.com/office/drawing/2014/main" id="{B4980469-6E05-7BC4-7D0D-3A22DF25AE8B}"/>
-              </a:ext>
-            </a:extLst>
-          </p:cNvPr>
-          <p:cNvCxnSpPr>
-            <a:stCxn id="18" idx="2"/>
-            <a:endCxn id="20" idx="0"/>
-          </p:cNvCxnSpPr>
-          <p:nvPr/>
-        </p:nvCxnSpPr>
-        <p:spPr>
-          <a:xfrm rot="16200000" flipH="1">
-            <a:off x="5539833" y="1960274"/>
-            <a:ext cx="547172" cy="661494"/>
-          </a:xfrm>
-          <a:prstGeom prst="bentConnector3">
-            <a:avLst/>
-          </a:prstGeom>
-          <a:ln>
-            <a:tailEnd type="triangle"/>
-          </a:ln>
-        </p:spPr>
-        <p:style>
-          <a:lnRef idx="1">
-            <a:schemeClr val="accent2"/>
-          </a:lnRef>
-          <a:fillRef idx="0">
-            <a:schemeClr val="accent2"/>
-          </a:fillRef>
-          <a:effectRef idx="0">
-            <a:schemeClr val="accent2"/>
-          </a:effectRef>
-          <a:fontRef idx="minor">
-            <a:schemeClr val="tx1"/>
-          </a:fontRef>
-        </p:style>
-      </p:cxnSp>
-      <p:cxnSp>
-        <p:nvCxnSpPr>
-          <p:cNvPr id="35" name="Connector: Elbow 34">
-            <a:extLst>
-              <a:ext uri="{FF2B5EF4-FFF2-40B4-BE49-F238E27FC236}">
-                <a16:creationId xmlns:a16="http://schemas.microsoft.com/office/drawing/2014/main" id="{96177CBC-1AF7-4F6D-159F-83A1D15F3CD5}"/>
-              </a:ext>
-            </a:extLst>
-          </p:cNvPr>
-          <p:cNvCxnSpPr>
-            <a:cxnSpLocks/>
-            <a:stCxn id="19" idx="2"/>
-            <a:endCxn id="20" idx="0"/>
-          </p:cNvCxnSpPr>
-          <p:nvPr/>
-        </p:nvCxnSpPr>
-        <p:spPr>
-          <a:xfrm rot="5400000">
-            <a:off x="6184657" y="1971192"/>
-            <a:ext cx="552924" cy="633906"/>
-          </a:xfrm>
-          <a:prstGeom prst="bentConnector3">
-            <a:avLst/>
-          </a:prstGeom>
-          <a:ln>
-            <a:tailEnd type="triangle"/>
-          </a:ln>
-        </p:spPr>
-        <p:style>
-          <a:lnRef idx="1">
-            <a:schemeClr val="accent2"/>
-          </a:lnRef>
-          <a:fillRef idx="0">
-            <a:schemeClr val="accent2"/>
-          </a:fillRef>
-          <a:effectRef idx="0">
-            <a:schemeClr val="accent2"/>
-          </a:effectRef>
-          <a:fontRef idx="minor">
-            <a:schemeClr val="tx1"/>
-          </a:fontRef>
-        </p:style>
-      </p:cxnSp>
-      <p:sp>
-        <p:nvSpPr>
-          <p:cNvPr id="38" name="TextBox 37">
-            <a:extLst>
-              <a:ext uri="{FF2B5EF4-FFF2-40B4-BE49-F238E27FC236}">
-                <a16:creationId xmlns:a16="http://schemas.microsoft.com/office/drawing/2014/main" id="{98FB7C25-1FE6-1EB8-C456-F0EB8B3C060F}"/>
-              </a:ext>
-            </a:extLst>
-          </p:cNvPr>
-          <p:cNvSpPr txBox="1"/>
-          <p:nvPr/>
-        </p:nvSpPr>
-        <p:spPr>
-          <a:xfrm>
-            <a:off x="7712159" y="2225873"/>
-            <a:ext cx="990600" cy="307777"/>
-          </a:xfrm>
-          <a:prstGeom prst="rect">
-            <a:avLst/>
-          </a:prstGeom>
-          <a:noFill/>
-        </p:spPr>
-        <p:txBody>
-          <a:bodyPr wrap="square" rtlCol="0">
-            <a:spAutoFit/>
-          </a:bodyPr>
-          <a:lstStyle/>
-          <a:p>
-            <a:r>
-              <a:rPr lang="en-IN" sz="1400" b="1" dirty="0"/>
-              <a:t>Manager</a:t>
-            </a:r>
-          </a:p>
-        </p:txBody>
-      </p:sp>
-      <p:sp>
-        <p:nvSpPr>
-          <p:cNvPr id="41" name="TextBox 40">
-            <a:extLst>
-              <a:ext uri="{FF2B5EF4-FFF2-40B4-BE49-F238E27FC236}">
-                <a16:creationId xmlns:a16="http://schemas.microsoft.com/office/drawing/2014/main" id="{66E6C033-B265-371B-F138-560681CD348C}"/>
-              </a:ext>
-            </a:extLst>
-          </p:cNvPr>
-          <p:cNvSpPr txBox="1"/>
-          <p:nvPr/>
-        </p:nvSpPr>
-        <p:spPr>
-          <a:xfrm>
-            <a:off x="4038600" y="1456099"/>
-            <a:ext cx="782131" cy="276999"/>
-          </a:xfrm>
-          <a:prstGeom prst="rect">
-            <a:avLst/>
-          </a:prstGeom>
-          <a:noFill/>
-        </p:spPr>
-        <p:txBody>
-          <a:bodyPr wrap="square" rtlCol="0">
-            <a:spAutoFit/>
-          </a:bodyPr>
-          <a:lstStyle/>
-          <a:p>
-            <a:r>
-              <a:rPr lang="en-IN" sz="1200" b="1" dirty="0"/>
-              <a:t>&lt;data&gt;</a:t>
-            </a:r>
-          </a:p>
-        </p:txBody>
-      </p:sp>
-      <p:sp>
-        <p:nvSpPr>
-          <p:cNvPr id="42" name="TextBox 41">
-            <a:extLst>
-              <a:ext uri="{FF2B5EF4-FFF2-40B4-BE49-F238E27FC236}">
-                <a16:creationId xmlns:a16="http://schemas.microsoft.com/office/drawing/2014/main" id="{303E11A3-A380-7F42-2D6A-966159D8F8B9}"/>
-              </a:ext>
-            </a:extLst>
-          </p:cNvPr>
-          <p:cNvSpPr txBox="1"/>
-          <p:nvPr/>
-        </p:nvSpPr>
-        <p:spPr>
-          <a:xfrm>
-            <a:off x="4114600" y="2349403"/>
-            <a:ext cx="782131" cy="276999"/>
-          </a:xfrm>
-          <a:prstGeom prst="rect">
-            <a:avLst/>
-          </a:prstGeom>
-          <a:noFill/>
-        </p:spPr>
-        <p:txBody>
-          <a:bodyPr wrap="square" rtlCol="0">
-            <a:spAutoFit/>
-          </a:bodyPr>
-          <a:lstStyle/>
-          <a:p>
-            <a:r>
-              <a:rPr lang="en-IN" sz="1200" b="1" dirty="0"/>
-              <a:t>&lt;data&gt;</a:t>
-            </a:r>
-          </a:p>
-        </p:txBody>
-      </p:sp>
-      <p:sp>
-        <p:nvSpPr>
-          <p:cNvPr id="2" name="Rectangle 1">
-            <a:extLst>
-              <a:ext uri="{FF2B5EF4-FFF2-40B4-BE49-F238E27FC236}">
-                <a16:creationId xmlns:a16="http://schemas.microsoft.com/office/drawing/2014/main" id="{C40F370C-B5D8-27DE-1196-039DDEAEF283}"/>
-              </a:ext>
-            </a:extLst>
-          </p:cNvPr>
-          <p:cNvSpPr/>
-          <p:nvPr/>
-        </p:nvSpPr>
-        <p:spPr>
-          <a:xfrm>
-            <a:off x="7620000" y="2800350"/>
-            <a:ext cx="1219200" cy="990600"/>
-          </a:xfrm>
-          <a:prstGeom prst="rect">
-            <a:avLst/>
-          </a:prstGeom>
-        </p:spPr>
-        <p:style>
-          <a:lnRef idx="2">
-            <a:schemeClr val="accent1">
-              <a:shade val="15000"/>
-            </a:schemeClr>
-          </a:lnRef>
-          <a:fillRef idx="1">
-            <a:schemeClr val="accent1"/>
-          </a:fillRef>
-          <a:effectRef idx="0">
-            <a:schemeClr val="accent1"/>
-          </a:effectRef>
-          <a:fontRef idx="minor">
-            <a:schemeClr val="lt1"/>
-          </a:fontRef>
-        </p:style>
-        <p:txBody>
-          <a:bodyPr rtlCol="0" anchor="ctr"/>
-          <a:lstStyle/>
-          <a:p>
-            <a:pPr algn="ctr"/>
-            <a:r>
-              <a:rPr lang="en-IN" dirty="0"/>
-              <a:t>Build </a:t>
-            </a:r>
-            <a:r>
-              <a:rPr lang="en-IN" dirty="0" err="1"/>
-              <a:t>workzone</a:t>
-            </a:r>
-            <a:endParaRPr lang="en-IN" dirty="0"/>
-          </a:p>
-          <a:p>
-            <a:pPr algn="ctr"/>
-            <a:r>
-              <a:rPr lang="en-IN" dirty="0"/>
-              <a:t>My Inbox</a:t>
-            </a:r>
-          </a:p>
-        </p:txBody>
-      </p:sp>
-      <p:cxnSp>
-        <p:nvCxnSpPr>
-          <p:cNvPr id="13" name="Connector: Elbow 12">
-            <a:extLst>
-              <a:ext uri="{FF2B5EF4-FFF2-40B4-BE49-F238E27FC236}">
-                <a16:creationId xmlns:a16="http://schemas.microsoft.com/office/drawing/2014/main" id="{8D1C4534-5D93-6752-6081-B2FD57165929}"/>
-              </a:ext>
-            </a:extLst>
-          </p:cNvPr>
-          <p:cNvCxnSpPr>
-            <a:stCxn id="2" idx="2"/>
-          </p:cNvCxnSpPr>
-          <p:nvPr/>
-        </p:nvCxnSpPr>
-        <p:spPr>
-          <a:xfrm rot="5400000">
-            <a:off x="7661049" y="3485367"/>
-            <a:ext cx="262969" cy="874135"/>
-          </a:xfrm>
-          <a:prstGeom prst="bentConnector2">
-            <a:avLst/>
-          </a:prstGeom>
-          <a:ln>
-            <a:tailEnd type="triangle"/>
-          </a:ln>
-        </p:spPr>
-        <p:style>
-          <a:lnRef idx="1">
-            <a:schemeClr val="accent1"/>
-          </a:lnRef>
-          <a:fillRef idx="0">
-            <a:schemeClr val="accent1"/>
-          </a:fillRef>
-          <a:effectRef idx="0">
-            <a:schemeClr val="accent1"/>
-          </a:effectRef>
-          <a:fontRef idx="minor">
-            <a:schemeClr val="tx1"/>
-          </a:fontRef>
-        </p:style>
-      </p:cxnSp>
-    </p:spTree>
-    <p:extLst>
-      <p:ext uri="{BB962C8B-B14F-4D97-AF65-F5344CB8AC3E}">
-        <p14:creationId xmlns:p14="http://schemas.microsoft.com/office/powerpoint/2010/main" val="1752604588"/>
-      </p:ext>
-    </p:extLst>
-  </p:cSld>
-  <p:clrMapOvr>
-    <a:masterClrMapping/>
-  </p:clrMapOvr>
-  <mc:AlternateContent xmlns:mc="http://schemas.openxmlformats.org/markup-compatibility/2006" xmlns:p14="http://schemas.microsoft.com/office/powerpoint/2010/main">
-    <mc:Choice Requires="p14">
-      <p:transition spd="med" p14:dur="700">
-        <p:fade/>
-      </p:transition>
-    </mc:Choice>
-    <mc:Fallback xmlns="">
-      <p:transition spd="med">
-        <p:fade/>
-      </p:transition>
-    </mc:Fallback>
-  </mc:AlternateContent>
-</p:sld>
-</file>
-
-<file path=ppt/slides/slide12.xml><?xml version="1.0" encoding="utf-8"?>
+<file path=ppt/slides/slide13.xml><?xml version="1.0" encoding="utf-8"?>
 <p:sld xmlns:a="http://schemas.openxmlformats.org/drawingml/2006/main" xmlns:r="http://schemas.openxmlformats.org/officeDocument/2006/relationships" xmlns:p="http://schemas.openxmlformats.org/presentationml/2006/main">
   <p:cSld>
     <p:spTree>
@@ -7850,7 +6990,7 @@
             <a:fld id="{B6F15528-21DE-4FAA-801E-634DDDAF4B2B}" type="slidenum">
               <a:rPr lang="en-US" smtClean="0"/>
               <a:pPr/>
-              <a:t>12</a:t>
+              <a:t>13</a:t>
             </a:fld>
             <a:endParaRPr lang="en-US" dirty="0"/>
           </a:p>
@@ -8092,7 +7232,7 @@
 </p:sld>
 </file>
 
-<file path=ppt/slides/slide13.xml><?xml version="1.0" encoding="utf-8"?>
+<file path=ppt/slides/slide14.xml><?xml version="1.0" encoding="utf-8"?>
 <p:sld xmlns:a="http://schemas.openxmlformats.org/drawingml/2006/main" xmlns:r="http://schemas.openxmlformats.org/officeDocument/2006/relationships" xmlns:p="http://schemas.openxmlformats.org/presentationml/2006/main">
   <p:cSld>
     <p:spTree>
@@ -8206,7 +7346,7 @@
                   <a:spcPts val="600"/>
                 </a:spcAft>
               </a:pPr>
-              <a:t>13</a:t>
+              <a:t>14</a:t>
             </a:fld>
             <a:endParaRPr lang="en-US"/>
           </a:p>
@@ -8225,7 +7365,7 @@
 </p:sld>
 </file>
 
-<file path=ppt/slides/slide14.xml><?xml version="1.0" encoding="utf-8"?>
+<file path=ppt/slides/slide15.xml><?xml version="1.0" encoding="utf-8"?>
 <p:sld xmlns:a="http://schemas.openxmlformats.org/drawingml/2006/main" xmlns:r="http://schemas.openxmlformats.org/officeDocument/2006/relationships" xmlns:p="http://schemas.openxmlformats.org/presentationml/2006/main">
   <p:cSld>
     <p:spTree>
@@ -9219,7 +8359,7 @@
 </p:sld>
 </file>
 
-<file path=ppt/slides/slide15.xml><?xml version="1.0" encoding="utf-8"?>
+<file path=ppt/slides/slide16.xml><?xml version="1.0" encoding="utf-8"?>
 <p:sld xmlns:a="http://schemas.openxmlformats.org/drawingml/2006/main" xmlns:r="http://schemas.openxmlformats.org/officeDocument/2006/relationships" xmlns:p="http://schemas.openxmlformats.org/presentationml/2006/main">
   <p:cSld>
     <p:spTree>
@@ -10759,7 +9899,7 @@
 </p:sld>
 </file>
 
-<file path=ppt/slides/slide16.xml><?xml version="1.0" encoding="utf-8"?>
+<file path=ppt/slides/slide17.xml><?xml version="1.0" encoding="utf-8"?>
 <p:sld xmlns:a="http://schemas.openxmlformats.org/drawingml/2006/main" xmlns:r="http://schemas.openxmlformats.org/officeDocument/2006/relationships" xmlns:p="http://schemas.openxmlformats.org/presentationml/2006/main">
   <p:cSld>
     <p:spTree>
@@ -17887,6 +17027,505 @@
   <p:cSld>
     <p:spTree>
       <p:nvGrpSpPr>
+        <p:cNvPr id="1" name=""/>
+        <p:cNvGrpSpPr/>
+        <p:nvPr/>
+      </p:nvGrpSpPr>
+      <p:grpSpPr>
+        <a:xfrm>
+          <a:off x="0" y="0"/>
+          <a:ext cx="0" cy="0"/>
+          <a:chOff x="0" y="0"/>
+          <a:chExt cx="0" cy="0"/>
+        </a:xfrm>
+      </p:grpSpPr>
+      <p:sp>
+        <p:nvSpPr>
+          <p:cNvPr id="2" name="Footer Placeholder 1">
+            <a:extLst>
+              <a:ext uri="{FF2B5EF4-FFF2-40B4-BE49-F238E27FC236}">
+                <a16:creationId xmlns:a16="http://schemas.microsoft.com/office/drawing/2014/main" id="{41E0F046-C820-BC84-4630-0EAC3006102A}"/>
+              </a:ext>
+            </a:extLst>
+          </p:cNvPr>
+          <p:cNvSpPr>
+            <a:spLocks noGrp="1"/>
+          </p:cNvSpPr>
+          <p:nvPr>
+            <p:ph type="ftr" sz="quarter" idx="11"/>
+          </p:nvPr>
+        </p:nvSpPr>
+        <p:spPr/>
+        <p:txBody>
+          <a:bodyPr/>
+          <a:lstStyle/>
+          <a:p>
+            <a:r>
+              <a:rPr lang="en-US"/>
+              <a:t>www.anubhavtrainings.com</a:t>
+            </a:r>
+            <a:endParaRPr lang="en-US" dirty="0"/>
+          </a:p>
+        </p:txBody>
+      </p:sp>
+      <p:sp>
+        <p:nvSpPr>
+          <p:cNvPr id="3" name="Slide Number Placeholder 2">
+            <a:extLst>
+              <a:ext uri="{FF2B5EF4-FFF2-40B4-BE49-F238E27FC236}">
+                <a16:creationId xmlns:a16="http://schemas.microsoft.com/office/drawing/2014/main" id="{E62D97F7-2B62-CF24-F700-9C4D8E9935FF}"/>
+              </a:ext>
+            </a:extLst>
+          </p:cNvPr>
+          <p:cNvSpPr>
+            <a:spLocks noGrp="1"/>
+          </p:cNvSpPr>
+          <p:nvPr>
+            <p:ph type="sldNum" sz="quarter" idx="12"/>
+          </p:nvPr>
+        </p:nvSpPr>
+        <p:spPr/>
+        <p:txBody>
+          <a:bodyPr/>
+          <a:lstStyle/>
+          <a:p>
+            <a:fld id="{B6F15528-21DE-4FAA-801E-634DDDAF4B2B}" type="slidenum">
+              <a:rPr lang="en-US" smtClean="0"/>
+              <a:pPr/>
+              <a:t>7</a:t>
+            </a:fld>
+            <a:endParaRPr lang="en-US"/>
+          </a:p>
+        </p:txBody>
+      </p:sp>
+      <p:sp>
+        <p:nvSpPr>
+          <p:cNvPr id="4" name="Title 3">
+            <a:extLst>
+              <a:ext uri="{FF2B5EF4-FFF2-40B4-BE49-F238E27FC236}">
+                <a16:creationId xmlns:a16="http://schemas.microsoft.com/office/drawing/2014/main" id="{D88835BA-82F8-0A1E-903E-AA5D1A4F6C14}"/>
+              </a:ext>
+            </a:extLst>
+          </p:cNvPr>
+          <p:cNvSpPr>
+            <a:spLocks noGrp="1"/>
+          </p:cNvSpPr>
+          <p:nvPr>
+            <p:ph type="title"/>
+          </p:nvPr>
+        </p:nvSpPr>
+        <p:spPr/>
+        <p:txBody>
+          <a:bodyPr/>
+          <a:lstStyle/>
+          <a:p>
+            <a:r>
+              <a:rPr lang="en-IN" dirty="0"/>
+              <a:t>Create data type for Sales order</a:t>
+            </a:r>
+          </a:p>
+        </p:txBody>
+      </p:sp>
+      <p:sp>
+        <p:nvSpPr>
+          <p:cNvPr id="6" name="TextBox 5">
+            <a:extLst>
+              <a:ext uri="{FF2B5EF4-FFF2-40B4-BE49-F238E27FC236}">
+                <a16:creationId xmlns:a16="http://schemas.microsoft.com/office/drawing/2014/main" id="{7E850BAD-E187-1085-3A73-4FFFBCBFCE2D}"/>
+              </a:ext>
+            </a:extLst>
+          </p:cNvPr>
+          <p:cNvSpPr txBox="1"/>
+          <p:nvPr/>
+        </p:nvSpPr>
+        <p:spPr>
+          <a:xfrm>
+            <a:off x="6553200" y="1581150"/>
+            <a:ext cx="2286000" cy="2246769"/>
+          </a:xfrm>
+          <a:prstGeom prst="rect">
+            <a:avLst/>
+          </a:prstGeom>
+          <a:noFill/>
+        </p:spPr>
+        <p:txBody>
+          <a:bodyPr wrap="square">
+            <a:spAutoFit/>
+          </a:bodyPr>
+          <a:lstStyle/>
+          <a:p>
+            <a:pPr>
+              <a:lnSpc>
+                <a:spcPts val="1350"/>
+              </a:lnSpc>
+              <a:buNone/>
+            </a:pPr>
+            <a:r>
+              <a:rPr lang="en-IN" sz="1200" b="0" dirty="0">
+                <a:effectLst/>
+                <a:latin typeface="IBMPlexMono"/>
+              </a:rPr>
+              <a:t>{</a:t>
+            </a:r>
+          </a:p>
+          <a:p>
+            <a:pPr>
+              <a:lnSpc>
+                <a:spcPts val="1350"/>
+              </a:lnSpc>
+              <a:buNone/>
+            </a:pPr>
+            <a:r>
+              <a:rPr lang="en-IN" sz="1200" b="0" dirty="0">
+                <a:effectLst/>
+                <a:latin typeface="IBMPlexMono"/>
+              </a:rPr>
+              <a:t>"</a:t>
+            </a:r>
+            <a:r>
+              <a:rPr lang="en-IN" sz="1200" b="0" dirty="0" err="1">
+                <a:effectLst/>
+                <a:latin typeface="IBMPlexMono"/>
+              </a:rPr>
+              <a:t>salesOrder</a:t>
+            </a:r>
+            <a:r>
+              <a:rPr lang="en-IN" sz="1200" b="0" dirty="0">
+                <a:effectLst/>
+                <a:latin typeface="IBMPlexMono"/>
+              </a:rPr>
+              <a:t>": "1212",</a:t>
+            </a:r>
+          </a:p>
+          <a:p>
+            <a:pPr>
+              <a:lnSpc>
+                <a:spcPts val="1350"/>
+              </a:lnSpc>
+              <a:buNone/>
+            </a:pPr>
+            <a:r>
+              <a:rPr lang="en-IN" sz="1200" b="0" dirty="0">
+                <a:effectLst/>
+                <a:latin typeface="IBMPlexMono"/>
+              </a:rPr>
+              <a:t>"</a:t>
+            </a:r>
+            <a:r>
+              <a:rPr lang="en-IN" sz="1200" b="0" dirty="0" err="1">
+                <a:effectLst/>
+                <a:latin typeface="IBMPlexMono"/>
+              </a:rPr>
+              <a:t>salesOrderType</a:t>
+            </a:r>
+            <a:r>
+              <a:rPr lang="en-IN" sz="1200" b="0" dirty="0">
+                <a:effectLst/>
+                <a:latin typeface="IBMPlexMono"/>
+              </a:rPr>
+              <a:t>": "IN",</a:t>
+            </a:r>
+          </a:p>
+          <a:p>
+            <a:pPr>
+              <a:lnSpc>
+                <a:spcPts val="1350"/>
+              </a:lnSpc>
+              <a:buNone/>
+            </a:pPr>
+            <a:r>
+              <a:rPr lang="en-IN" sz="1200" b="0" dirty="0">
+                <a:effectLst/>
+                <a:latin typeface="IBMPlexMono"/>
+              </a:rPr>
+              <a:t>"</a:t>
+            </a:r>
+            <a:r>
+              <a:rPr lang="en-IN" sz="1200" b="0" dirty="0" err="1">
+                <a:effectLst/>
+                <a:latin typeface="IBMPlexMono"/>
+              </a:rPr>
+              <a:t>salesOrganization</a:t>
+            </a:r>
+            <a:r>
+              <a:rPr lang="en-IN" sz="1200" b="0" dirty="0">
+                <a:effectLst/>
+                <a:latin typeface="IBMPlexMono"/>
+              </a:rPr>
+              <a:t>": "1010",</a:t>
+            </a:r>
+          </a:p>
+          <a:p>
+            <a:pPr>
+              <a:lnSpc>
+                <a:spcPts val="1350"/>
+              </a:lnSpc>
+              <a:buNone/>
+            </a:pPr>
+            <a:r>
+              <a:rPr lang="en-IN" sz="1200" b="0" dirty="0">
+                <a:effectLst/>
+                <a:latin typeface="IBMPlexMono"/>
+              </a:rPr>
+              <a:t>"</a:t>
+            </a:r>
+            <a:r>
+              <a:rPr lang="en-IN" sz="1200" b="0" dirty="0" err="1">
+                <a:effectLst/>
+                <a:latin typeface="IBMPlexMono"/>
+              </a:rPr>
+              <a:t>distributionChannel</a:t>
+            </a:r>
+            <a:r>
+              <a:rPr lang="en-IN" sz="1200" b="0" dirty="0">
+                <a:effectLst/>
+                <a:latin typeface="IBMPlexMono"/>
+              </a:rPr>
+              <a:t>": 10,</a:t>
+            </a:r>
+          </a:p>
+          <a:p>
+            <a:pPr>
+              <a:lnSpc>
+                <a:spcPts val="1350"/>
+              </a:lnSpc>
+              <a:buNone/>
+            </a:pPr>
+            <a:r>
+              <a:rPr lang="en-IN" sz="1200" b="0" dirty="0">
+                <a:effectLst/>
+                <a:latin typeface="IBMPlexMono"/>
+              </a:rPr>
+              <a:t>"</a:t>
+            </a:r>
+            <a:r>
+              <a:rPr lang="en-IN" sz="1200" b="0" dirty="0" err="1">
+                <a:effectLst/>
+                <a:latin typeface="IBMPlexMono"/>
+              </a:rPr>
+              <a:t>organizationDivision</a:t>
+            </a:r>
+            <a:r>
+              <a:rPr lang="en-IN" sz="1200" b="0" dirty="0">
+                <a:effectLst/>
+                <a:latin typeface="IBMPlexMono"/>
+              </a:rPr>
+              <a:t>": 10,</a:t>
+            </a:r>
+          </a:p>
+          <a:p>
+            <a:pPr>
+              <a:lnSpc>
+                <a:spcPts val="1350"/>
+              </a:lnSpc>
+              <a:buNone/>
+            </a:pPr>
+            <a:r>
+              <a:rPr lang="en-IN" sz="1200" b="0" dirty="0">
+                <a:effectLst/>
+                <a:latin typeface="IBMPlexMono"/>
+              </a:rPr>
+              <a:t>"</a:t>
+            </a:r>
+            <a:r>
+              <a:rPr lang="en-IN" sz="1200" b="0" dirty="0" err="1">
+                <a:effectLst/>
+                <a:latin typeface="IBMPlexMono"/>
+              </a:rPr>
+              <a:t>soldToParty</a:t>
+            </a:r>
+            <a:r>
+              <a:rPr lang="en-IN" sz="1200" b="0" dirty="0">
+                <a:effectLst/>
+                <a:latin typeface="IBMPlexMono"/>
+              </a:rPr>
+              <a:t>": "ANUBHAV",</a:t>
+            </a:r>
+          </a:p>
+          <a:p>
+            <a:pPr>
+              <a:lnSpc>
+                <a:spcPts val="1350"/>
+              </a:lnSpc>
+              <a:buNone/>
+            </a:pPr>
+            <a:r>
+              <a:rPr lang="en-IN" sz="1200" b="0" dirty="0">
+                <a:effectLst/>
+                <a:latin typeface="IBMPlexMono"/>
+              </a:rPr>
+              <a:t>"</a:t>
+            </a:r>
+            <a:r>
+              <a:rPr lang="en-IN" sz="1200" b="0" dirty="0" err="1">
+                <a:effectLst/>
+                <a:latin typeface="IBMPlexMono"/>
+              </a:rPr>
+              <a:t>salesOrderDate</a:t>
+            </a:r>
+            <a:r>
+              <a:rPr lang="en-IN" sz="1200" b="0" dirty="0">
+                <a:effectLst/>
+                <a:latin typeface="IBMPlexMono"/>
+              </a:rPr>
+              <a:t>": "2025-12-02",</a:t>
+            </a:r>
+          </a:p>
+          <a:p>
+            <a:pPr>
+              <a:lnSpc>
+                <a:spcPts val="1350"/>
+              </a:lnSpc>
+              <a:buNone/>
+            </a:pPr>
+            <a:r>
+              <a:rPr lang="en-IN" sz="1200" b="0" dirty="0">
+                <a:effectLst/>
+                <a:latin typeface="IBMPlexMono"/>
+              </a:rPr>
+              <a:t>"</a:t>
+            </a:r>
+            <a:r>
+              <a:rPr lang="en-IN" sz="1200" b="0" dirty="0" err="1">
+                <a:effectLst/>
+                <a:latin typeface="IBMPlexMono"/>
+              </a:rPr>
+              <a:t>totalNetAmount</a:t>
+            </a:r>
+            <a:r>
+              <a:rPr lang="en-IN" sz="1200" b="0" dirty="0">
+                <a:effectLst/>
+                <a:latin typeface="IBMPlexMono"/>
+              </a:rPr>
+              <a:t>": 480,</a:t>
+            </a:r>
+          </a:p>
+          <a:p>
+            <a:pPr>
+              <a:lnSpc>
+                <a:spcPts val="1350"/>
+              </a:lnSpc>
+              <a:buNone/>
+            </a:pPr>
+            <a:r>
+              <a:rPr lang="en-IN" sz="1200" b="0" dirty="0">
+                <a:effectLst/>
+                <a:latin typeface="IBMPlexMono"/>
+              </a:rPr>
+              <a:t>"</a:t>
+            </a:r>
+            <a:r>
+              <a:rPr lang="en-IN" sz="1200" b="0" dirty="0" err="1">
+                <a:effectLst/>
+                <a:latin typeface="IBMPlexMono"/>
+              </a:rPr>
+              <a:t>transactionCurrency</a:t>
+            </a:r>
+            <a:r>
+              <a:rPr lang="en-IN" sz="1200" b="0" dirty="0">
+                <a:effectLst/>
+                <a:latin typeface="IBMPlexMono"/>
+              </a:rPr>
+              <a:t>": "EUR",</a:t>
+            </a:r>
+          </a:p>
+          <a:p>
+            <a:pPr>
+              <a:lnSpc>
+                <a:spcPts val="1350"/>
+              </a:lnSpc>
+              <a:buNone/>
+            </a:pPr>
+            <a:r>
+              <a:rPr lang="en-IN" sz="1200" b="0" dirty="0">
+                <a:effectLst/>
+                <a:latin typeface="IBMPlexMono"/>
+              </a:rPr>
+              <a:t>"</a:t>
+            </a:r>
+            <a:r>
+              <a:rPr lang="en-IN" sz="1200" b="0" dirty="0" err="1">
+                <a:effectLst/>
+                <a:latin typeface="IBMPlexMono"/>
+              </a:rPr>
+              <a:t>customerGroup</a:t>
+            </a:r>
+            <a:r>
+              <a:rPr lang="en-IN" sz="1200" b="0" dirty="0">
+                <a:effectLst/>
+                <a:latin typeface="IBMPlexMono"/>
+              </a:rPr>
+              <a:t>": "GRP1“</a:t>
+            </a:r>
+          </a:p>
+          <a:p>
+            <a:pPr>
+              <a:lnSpc>
+                <a:spcPts val="1350"/>
+              </a:lnSpc>
+              <a:buNone/>
+            </a:pPr>
+            <a:r>
+              <a:rPr lang="en-IN" sz="1200" dirty="0">
+                <a:latin typeface="IBMPlexMono"/>
+              </a:rPr>
+              <a:t>}</a:t>
+            </a:r>
+            <a:endParaRPr lang="en-IN" sz="1200" b="0" dirty="0">
+              <a:effectLst/>
+              <a:latin typeface="IBMPlexMono"/>
+            </a:endParaRPr>
+          </a:p>
+        </p:txBody>
+      </p:sp>
+      <p:pic>
+        <p:nvPicPr>
+          <p:cNvPr id="8" name="Picture 7">
+            <a:extLst>
+              <a:ext uri="{FF2B5EF4-FFF2-40B4-BE49-F238E27FC236}">
+                <a16:creationId xmlns:a16="http://schemas.microsoft.com/office/drawing/2014/main" id="{8AEF89FE-C333-6202-C9D5-DBE8BDA53585}"/>
+              </a:ext>
+            </a:extLst>
+          </p:cNvPr>
+          <p:cNvPicPr>
+            <a:picLocks noChangeAspect="1"/>
+          </p:cNvPicPr>
+          <p:nvPr/>
+        </p:nvPicPr>
+        <p:blipFill>
+          <a:blip r:embed="rId2"/>
+          <a:stretch>
+            <a:fillRect/>
+          </a:stretch>
+        </p:blipFill>
+        <p:spPr>
+          <a:xfrm>
+            <a:off x="0" y="1095079"/>
+            <a:ext cx="6553200" cy="2953342"/>
+          </a:xfrm>
+          <a:prstGeom prst="rect">
+            <a:avLst/>
+          </a:prstGeom>
+        </p:spPr>
+      </p:pic>
+    </p:spTree>
+    <p:extLst>
+      <p:ext uri="{BB962C8B-B14F-4D97-AF65-F5344CB8AC3E}">
+        <p14:creationId xmlns:p14="http://schemas.microsoft.com/office/powerpoint/2010/main" val="2649088697"/>
+      </p:ext>
+    </p:extLst>
+  </p:cSld>
+  <p:clrMapOvr>
+    <a:masterClrMapping/>
+  </p:clrMapOvr>
+</p:sld>
+</file>
+
+<file path=ppt/slides/slide8.xml><?xml version="1.0" encoding="utf-8"?>
+<p:sld xmlns:a="http://schemas.openxmlformats.org/drawingml/2006/main" xmlns:r="http://schemas.openxmlformats.org/officeDocument/2006/relationships" xmlns:p="http://schemas.openxmlformats.org/presentationml/2006/main">
+  <p:cSld>
+    <p:spTree>
+      <p:nvGrpSpPr>
         <p:cNvPr id="1" name="">
           <a:extLst>
             <a:ext uri="{FF2B5EF4-FFF2-40B4-BE49-F238E27FC236}">
@@ -17962,7 +17601,7 @@
             <a:fld id="{B6F15528-21DE-4FAA-801E-634DDDAF4B2B}" type="slidenum">
               <a:rPr lang="en-US" smtClean="0"/>
               <a:pPr/>
-              <a:t>7</a:t>
+              <a:t>8</a:t>
             </a:fld>
             <a:endParaRPr lang="en-US" dirty="0"/>
           </a:p>
@@ -18265,7 +17904,7 @@
 </p:sld>
 </file>
 
-<file path=ppt/slides/slide8.xml><?xml version="1.0" encoding="utf-8"?>
+<file path=ppt/slides/slide9.xml><?xml version="1.0" encoding="utf-8"?>
 <p:sld xmlns:a="http://schemas.openxmlformats.org/drawingml/2006/main" xmlns:r="http://schemas.openxmlformats.org/officeDocument/2006/relationships" xmlns:p="http://schemas.openxmlformats.org/presentationml/2006/main">
   <p:cSld>
     <p:spTree>
@@ -18273,7 +17912,7 @@
         <p:cNvPr id="1" name="">
           <a:extLst>
             <a:ext uri="{FF2B5EF4-FFF2-40B4-BE49-F238E27FC236}">
-              <a16:creationId xmlns:a16="http://schemas.microsoft.com/office/drawing/2014/main" id="{C8B374D4-0C5E-2AF6-9B47-A0506958AAAA}"/>
+              <a16:creationId xmlns:a16="http://schemas.microsoft.com/office/drawing/2014/main" id="{06449A91-9CCE-D194-2F1E-488EA18BAFD3}"/>
             </a:ext>
           </a:extLst>
         </p:cNvPr>
@@ -18293,7 +17932,7 @@
           <p:cNvPr id="3" name="Footer Placeholder 2">
             <a:extLst>
               <a:ext uri="{FF2B5EF4-FFF2-40B4-BE49-F238E27FC236}">
-                <a16:creationId xmlns:a16="http://schemas.microsoft.com/office/drawing/2014/main" id="{A8ABD81D-2A1A-B36C-45DB-9C7102EC7C4D}"/>
+                <a16:creationId xmlns:a16="http://schemas.microsoft.com/office/drawing/2014/main" id="{FBCFD143-0DF2-50BD-4070-A161621645E5}"/>
               </a:ext>
             </a:extLst>
           </p:cNvPr>
@@ -18321,7 +17960,7 @@
           <p:cNvPr id="4" name="Slide Number Placeholder 3">
             <a:extLst>
               <a:ext uri="{FF2B5EF4-FFF2-40B4-BE49-F238E27FC236}">
-                <a16:creationId xmlns:a16="http://schemas.microsoft.com/office/drawing/2014/main" id="{EF28E9CA-016B-704A-E18B-F9871644A8F1}"/>
+                <a16:creationId xmlns:a16="http://schemas.microsoft.com/office/drawing/2014/main" id="{140BDB00-DC60-80E6-04F5-6B41F4B87208}"/>
               </a:ext>
             </a:extLst>
           </p:cNvPr>
@@ -18345,7 +17984,7 @@
             <a:fld id="{B6F15528-21DE-4FAA-801E-634DDDAF4B2B}" type="slidenum">
               <a:rPr lang="en-US" smtClean="0"/>
               <a:pPr/>
-              <a:t>8</a:t>
+              <a:t>9</a:t>
             </a:fld>
             <a:endParaRPr lang="en-US" dirty="0"/>
           </a:p>
@@ -18356,7 +17995,7 @@
           <p:cNvPr id="5" name="Title 4">
             <a:extLst>
               <a:ext uri="{FF2B5EF4-FFF2-40B4-BE49-F238E27FC236}">
-                <a16:creationId xmlns:a16="http://schemas.microsoft.com/office/drawing/2014/main" id="{7BC9EBA1-EE78-4CC2-59DC-111940676180}"/>
+                <a16:creationId xmlns:a16="http://schemas.microsoft.com/office/drawing/2014/main" id="{69B825DE-D275-21D9-5079-6B46978EEF82}"/>
               </a:ext>
             </a:extLst>
           </p:cNvPr>
@@ -18381,17 +18020,95 @@
               <a:rPr lang="en-IN" sz="2500" dirty="0">
                 <a:latin typeface="Cooper Black" panose="0208090404030B020404" pitchFamily="18" charset="0"/>
               </a:rPr>
-              <a:t>What is API?</a:t>
+              <a:t>Scenario</a:t>
             </a:r>
           </a:p>
         </p:txBody>
       </p:sp>
+      <p:pic>
+        <p:nvPicPr>
+          <p:cNvPr id="6" name="Picture 5" descr="A person pointing at a computer&#10;&#10;Description automatically generated">
+            <a:extLst>
+              <a:ext uri="{FF2B5EF4-FFF2-40B4-BE49-F238E27FC236}">
+                <a16:creationId xmlns:a16="http://schemas.microsoft.com/office/drawing/2014/main" id="{6E25B006-F379-0963-9334-A18A5839D0AD}"/>
+              </a:ext>
+            </a:extLst>
+          </p:cNvPr>
+          <p:cNvPicPr>
+            <a:picLocks noChangeAspect="1"/>
+          </p:cNvPicPr>
+          <p:nvPr/>
+        </p:nvPicPr>
+        <p:blipFill>
+          <a:blip r:embed="rId2" cstate="print">
+            <a:extLst>
+              <a:ext uri="{28A0092B-C50C-407E-A947-70E740481C1C}">
+                <a14:useLocalDpi xmlns:a14="http://schemas.microsoft.com/office/drawing/2010/main" val="0"/>
+              </a:ext>
+              <a:ext uri="{837473B0-CC2E-450A-ABE3-18F120FF3D39}">
+                <a1611:picAttrSrcUrl xmlns:a1611="http://schemas.microsoft.com/office/drawing/2016/11/main" r:id="rId3"/>
+              </a:ext>
+            </a:extLst>
+          </a:blip>
+          <a:stretch>
+            <a:fillRect/>
+          </a:stretch>
+        </p:blipFill>
+        <p:spPr>
+          <a:xfrm>
+            <a:off x="236075" y="971550"/>
+            <a:ext cx="2126125" cy="1450219"/>
+          </a:xfrm>
+          <a:prstGeom prst="rect">
+            <a:avLst/>
+          </a:prstGeom>
+        </p:spPr>
+      </p:pic>
+      <p:pic>
+        <p:nvPicPr>
+          <p:cNvPr id="8" name="Picture 7" descr="A person wearing a headset and looking at a computer&#10;&#10;Description automatically generated">
+            <a:extLst>
+              <a:ext uri="{FF2B5EF4-FFF2-40B4-BE49-F238E27FC236}">
+                <a16:creationId xmlns:a16="http://schemas.microsoft.com/office/drawing/2014/main" id="{CB379A3E-C337-0EF8-8937-7E680FAEC84F}"/>
+              </a:ext>
+            </a:extLst>
+          </p:cNvPr>
+          <p:cNvPicPr>
+            <a:picLocks noChangeAspect="1"/>
+          </p:cNvPicPr>
+          <p:nvPr/>
+        </p:nvPicPr>
+        <p:blipFill>
+          <a:blip r:embed="rId4" cstate="print">
+            <a:extLst>
+              <a:ext uri="{28A0092B-C50C-407E-A947-70E740481C1C}">
+                <a14:useLocalDpi xmlns:a14="http://schemas.microsoft.com/office/drawing/2010/main" val="0"/>
+              </a:ext>
+              <a:ext uri="{837473B0-CC2E-450A-ABE3-18F120FF3D39}">
+                <a1611:picAttrSrcUrl xmlns:a1611="http://schemas.microsoft.com/office/drawing/2016/11/main" r:id="rId5"/>
+              </a:ext>
+            </a:extLst>
+          </a:blip>
+          <a:stretch>
+            <a:fillRect/>
+          </a:stretch>
+        </p:blipFill>
+        <p:spPr>
+          <a:xfrm>
+            <a:off x="7507864" y="715798"/>
+            <a:ext cx="1309939" cy="1480602"/>
+          </a:xfrm>
+          <a:prstGeom prst="rect">
+            <a:avLst/>
+          </a:prstGeom>
+        </p:spPr>
+      </p:pic>
       <p:sp>
         <p:nvSpPr>
-          <p:cNvPr id="2" name="TextBox 1">
+          <p:cNvPr id="9" name="TextBox 8">
             <a:extLst>
               <a:ext uri="{FF2B5EF4-FFF2-40B4-BE49-F238E27FC236}">
-                <a16:creationId xmlns:a16="http://schemas.microsoft.com/office/drawing/2014/main" id="{EA33CFD6-0483-9FAA-7E99-65E92BAAF2EF}"/>
+                <a16:creationId xmlns:a16="http://schemas.microsoft.com/office/drawing/2014/main" id="{5A0B23B1-780E-AEA9-725D-C38C97CD7437}"/>
               </a:ext>
             </a:extLst>
           </p:cNvPr>
@@ -18400,8 +18117,8 @@
         </p:nvSpPr>
         <p:spPr>
           <a:xfrm>
-            <a:off x="228600" y="742950"/>
-            <a:ext cx="8686800" cy="1384995"/>
+            <a:off x="236075" y="2495550"/>
+            <a:ext cx="2126125" cy="523220"/>
           </a:xfrm>
           <a:prstGeom prst="rect">
             <a:avLst/>
@@ -18415,212 +18132,854 @@
           <a:lstStyle/>
           <a:p>
             <a:r>
-              <a:rPr lang="en-IN" sz="1400" dirty="0"/>
-              <a:t>API stands for application programming interface, it is a contract between our system and a system which is trying to connect with us.</a:t>
-            </a:r>
-          </a:p>
-          <a:p>
-            <a:pPr marL="285750" indent="-285750">
-              <a:buFont typeface="Arial" panose="020B0604020202020204" pitchFamily="34" charset="0"/>
-              <a:buChar char="•"/>
-            </a:pPr>
-            <a:r>
-              <a:rPr lang="en-IN" sz="1400" dirty="0"/>
-              <a:t>API gives a contract between caller and called party</a:t>
-            </a:r>
-          </a:p>
-          <a:p>
-            <a:pPr marL="285750" indent="-285750">
-              <a:buFont typeface="Arial" panose="020B0604020202020204" pitchFamily="34" charset="0"/>
-              <a:buChar char="•"/>
-            </a:pPr>
-            <a:r>
-              <a:rPr lang="en-IN" sz="1400" dirty="0"/>
-              <a:t>That makes integration possible w/o knowing internal functionality of system</a:t>
-            </a:r>
-          </a:p>
-          <a:p>
-            <a:pPr marL="285750" indent="-285750">
-              <a:buFont typeface="Arial" panose="020B0604020202020204" pitchFamily="34" charset="0"/>
-              <a:buChar char="•"/>
-            </a:pPr>
-            <a:r>
-              <a:rPr lang="en-IN" sz="1400" dirty="0"/>
-              <a:t>Critical role in integration and exchange of data between systems</a:t>
-            </a:r>
-          </a:p>
-          <a:p>
-            <a:pPr marL="285750" indent="-285750">
-              <a:buFont typeface="Arial" panose="020B0604020202020204" pitchFamily="34" charset="0"/>
-              <a:buChar char="•"/>
-            </a:pPr>
-            <a:r>
-              <a:rPr lang="en-IN" sz="1400" dirty="0"/>
-              <a:t>Servers as single entry point for different business objects (</a:t>
-            </a:r>
-            <a:r>
-              <a:rPr lang="en-IN" sz="1400" dirty="0" err="1"/>
-              <a:t>so,po,material</a:t>
-            </a:r>
-            <a:r>
-              <a:rPr lang="en-IN" sz="1400" dirty="0"/>
-              <a:t>)</a:t>
-            </a:r>
-          </a:p>
-        </p:txBody>
-      </p:sp>
-    </p:spTree>
-    <p:extLst>
-      <p:ext uri="{BB962C8B-B14F-4D97-AF65-F5344CB8AC3E}">
-        <p14:creationId xmlns:p14="http://schemas.microsoft.com/office/powerpoint/2010/main" val="547069360"/>
-      </p:ext>
-    </p:extLst>
-  </p:cSld>
-  <p:clrMapOvr>
-    <a:masterClrMapping/>
-  </p:clrMapOvr>
-  <mc:AlternateContent xmlns:mc="http://schemas.openxmlformats.org/markup-compatibility/2006" xmlns:p14="http://schemas.microsoft.com/office/powerpoint/2010/main">
-    <mc:Choice Requires="p14">
-      <p:transition spd="med" p14:dur="700">
-        <p:fade/>
-      </p:transition>
-    </mc:Choice>
-    <mc:Fallback xmlns="">
-      <p:transition spd="med">
-        <p:fade/>
-      </p:transition>
-    </mc:Fallback>
-  </mc:AlternateContent>
-</p:sld>
-</file>
-
-<file path=ppt/slides/slide9.xml><?xml version="1.0" encoding="utf-8"?>
-<p:sld xmlns:a="http://schemas.openxmlformats.org/drawingml/2006/main" xmlns:r="http://schemas.openxmlformats.org/officeDocument/2006/relationships" xmlns:p="http://schemas.openxmlformats.org/presentationml/2006/main">
-  <p:cSld>
-    <p:spTree>
-      <p:nvGrpSpPr>
-        <p:cNvPr id="1" name="">
-          <a:extLst>
-            <a:ext uri="{FF2B5EF4-FFF2-40B4-BE49-F238E27FC236}">
-              <a16:creationId xmlns:a16="http://schemas.microsoft.com/office/drawing/2014/main" id="{1F57BF4E-8B28-D674-57FE-3E79300454DB}"/>
-            </a:ext>
-          </a:extLst>
-        </p:cNvPr>
-        <p:cNvGrpSpPr/>
-        <p:nvPr/>
-      </p:nvGrpSpPr>
-      <p:grpSpPr>
-        <a:xfrm>
-          <a:off x="0" y="0"/>
-          <a:ext cx="0" cy="0"/>
-          <a:chOff x="0" y="0"/>
-          <a:chExt cx="0" cy="0"/>
-        </a:xfrm>
-      </p:grpSpPr>
-      <p:sp>
-        <p:nvSpPr>
-          <p:cNvPr id="3" name="Footer Placeholder 2">
-            <a:extLst>
-              <a:ext uri="{FF2B5EF4-FFF2-40B4-BE49-F238E27FC236}">
-                <a16:creationId xmlns:a16="http://schemas.microsoft.com/office/drawing/2014/main" id="{14978BB3-577C-01FE-FA48-87C76FF0011B}"/>
-              </a:ext>
-            </a:extLst>
-          </p:cNvPr>
-          <p:cNvSpPr>
-            <a:spLocks noGrp="1"/>
-          </p:cNvSpPr>
-          <p:nvPr>
-            <p:ph type="ftr" sz="quarter" idx="11"/>
-          </p:nvPr>
-        </p:nvSpPr>
-        <p:spPr/>
-        <p:txBody>
-          <a:bodyPr/>
-          <a:lstStyle/>
-          <a:p>
-            <a:r>
-              <a:rPr lang="en-US" dirty="0"/>
-              <a:t>www.anubhavtrainings.com</a:t>
+              <a:rPr lang="en-IN" sz="1400" b="1" dirty="0"/>
+              <a:t>Sales Representative</a:t>
+            </a:r>
+          </a:p>
+          <a:p>
+            <a:r>
+              <a:rPr lang="en-IN" sz="1400" b="1" dirty="0"/>
+              <a:t>(</a:t>
+            </a:r>
+            <a:r>
+              <a:rPr lang="en-IN" sz="1400" b="1" dirty="0" err="1"/>
+              <a:t>fedEx</a:t>
+            </a:r>
+            <a:r>
+              <a:rPr lang="en-IN" sz="1400" b="1" dirty="0"/>
+              <a:t> office)</a:t>
             </a:r>
           </a:p>
         </p:txBody>
       </p:sp>
       <p:sp>
         <p:nvSpPr>
-          <p:cNvPr id="4" name="Slide Number Placeholder 3">
+          <p:cNvPr id="10" name="Rectangle: Rounded Corners 9">
             <a:extLst>
               <a:ext uri="{FF2B5EF4-FFF2-40B4-BE49-F238E27FC236}">
-                <a16:creationId xmlns:a16="http://schemas.microsoft.com/office/drawing/2014/main" id="{25AD9A86-FB8B-D00B-7281-30D3934C19B5}"/>
+                <a16:creationId xmlns:a16="http://schemas.microsoft.com/office/drawing/2014/main" id="{DC4F5F70-E8AA-D171-1092-2DDD578A9EA1}"/>
               </a:ext>
             </a:extLst>
           </p:cNvPr>
-          <p:cNvSpPr>
-            <a:spLocks noGrp="1"/>
-          </p:cNvSpPr>
-          <p:nvPr>
-            <p:ph type="sldNum" sz="quarter" idx="12"/>
-          </p:nvPr>
+          <p:cNvSpPr/>
+          <p:nvPr/>
         </p:nvSpPr>
         <p:spPr>
           <a:xfrm>
-            <a:off x="152400" y="4781550"/>
-            <a:ext cx="457200" cy="273844"/>
+            <a:off x="2895600" y="959497"/>
+            <a:ext cx="990600" cy="1447800"/>
           </a:xfrm>
+          <a:prstGeom prst="roundRect">
+            <a:avLst/>
+          </a:prstGeom>
         </p:spPr>
+        <p:style>
+          <a:lnRef idx="2">
+            <a:schemeClr val="accent1">
+              <a:shade val="15000"/>
+            </a:schemeClr>
+          </a:lnRef>
+          <a:fillRef idx="1">
+            <a:schemeClr val="accent1"/>
+          </a:fillRef>
+          <a:effectRef idx="0">
+            <a:schemeClr val="accent1"/>
+          </a:effectRef>
+          <a:fontRef idx="minor">
+            <a:schemeClr val="lt1"/>
+          </a:fontRef>
+        </p:style>
         <p:txBody>
-          <a:bodyPr/>
+          <a:bodyPr rtlCol="0" anchor="ctr"/>
           <a:lstStyle/>
           <a:p>
-            <a:fld id="{B6F15528-21DE-4FAA-801E-634DDDAF4B2B}" type="slidenum">
-              <a:rPr lang="en-US" smtClean="0"/>
-              <a:pPr/>
-              <a:t>9</a:t>
-            </a:fld>
-            <a:endParaRPr lang="en-US" dirty="0"/>
+            <a:pPr algn="ctr"/>
+            <a:r>
+              <a:rPr lang="en-IN" dirty="0"/>
+              <a:t>Sales Order</a:t>
+            </a:r>
           </a:p>
         </p:txBody>
       </p:sp>
       <p:sp>
         <p:nvSpPr>
-          <p:cNvPr id="5" name="Title 4">
+          <p:cNvPr id="11" name="Rectangle 10">
             <a:extLst>
               <a:ext uri="{FF2B5EF4-FFF2-40B4-BE49-F238E27FC236}">
-                <a16:creationId xmlns:a16="http://schemas.microsoft.com/office/drawing/2014/main" id="{D5EE818E-9DAE-9523-E7EE-A41059E99647}"/>
+                <a16:creationId xmlns:a16="http://schemas.microsoft.com/office/drawing/2014/main" id="{D660C656-96C5-CE72-3EDC-1CC0227806E4}"/>
               </a:ext>
             </a:extLst>
           </p:cNvPr>
-          <p:cNvSpPr>
-            <a:spLocks noGrp="1"/>
-          </p:cNvSpPr>
-          <p:nvPr>
-            <p:ph type="title"/>
-          </p:nvPr>
+          <p:cNvSpPr/>
+          <p:nvPr/>
         </p:nvSpPr>
         <p:spPr>
           <a:xfrm>
-            <a:off x="76200" y="133350"/>
-            <a:ext cx="8229600" cy="533401"/>
+            <a:off x="2061137" y="3368119"/>
+            <a:ext cx="2126125" cy="685800"/>
           </a:xfrm>
+          <a:prstGeom prst="rect">
+            <a:avLst/>
+          </a:prstGeom>
         </p:spPr>
+        <p:style>
+          <a:lnRef idx="2">
+            <a:schemeClr val="accent1">
+              <a:shade val="15000"/>
+            </a:schemeClr>
+          </a:lnRef>
+          <a:fillRef idx="1">
+            <a:schemeClr val="accent1"/>
+          </a:fillRef>
+          <a:effectRef idx="0">
+            <a:schemeClr val="accent1"/>
+          </a:effectRef>
+          <a:fontRef idx="minor">
+            <a:schemeClr val="lt1"/>
+          </a:fontRef>
+        </p:style>
         <p:txBody>
-          <a:bodyPr/>
+          <a:bodyPr rtlCol="0" anchor="ctr"/>
           <a:lstStyle/>
           <a:p>
-            <a:r>
-              <a:rPr lang="en-IN" sz="2500" dirty="0">
-                <a:latin typeface="Cooper Black" panose="0208090404030B020404" pitchFamily="18" charset="0"/>
-              </a:rPr>
-              <a:t>API HUB</a:t>
+            <a:pPr algn="ctr"/>
+            <a:r>
+              <a:rPr lang="en-IN" dirty="0"/>
+              <a:t>S/4HANA</a:t>
             </a:r>
           </a:p>
         </p:txBody>
       </p:sp>
       <p:sp>
         <p:nvSpPr>
-          <p:cNvPr id="2" name="TextBox 1">
+          <p:cNvPr id="12" name="Arrow: Right 11">
             <a:extLst>
               <a:ext uri="{FF2B5EF4-FFF2-40B4-BE49-F238E27FC236}">
-                <a16:creationId xmlns:a16="http://schemas.microsoft.com/office/drawing/2014/main" id="{10D76612-AFCC-576B-3D64-1F13DE1844B5}"/>
+                <a16:creationId xmlns:a16="http://schemas.microsoft.com/office/drawing/2014/main" id="{5B757AC3-0308-30BC-D283-5E6B2149DF90}"/>
+              </a:ext>
+            </a:extLst>
+          </p:cNvPr>
+          <p:cNvSpPr/>
+          <p:nvPr/>
+        </p:nvSpPr>
+        <p:spPr>
+          <a:xfrm>
+            <a:off x="2362200" y="1428750"/>
+            <a:ext cx="533400" cy="523220"/>
+          </a:xfrm>
+          <a:prstGeom prst="rightArrow">
+            <a:avLst/>
+          </a:prstGeom>
+        </p:spPr>
+        <p:style>
+          <a:lnRef idx="2">
+            <a:schemeClr val="accent1">
+              <a:shade val="15000"/>
+            </a:schemeClr>
+          </a:lnRef>
+          <a:fillRef idx="1">
+            <a:schemeClr val="accent1"/>
+          </a:fillRef>
+          <a:effectRef idx="0">
+            <a:schemeClr val="accent1"/>
+          </a:effectRef>
+          <a:fontRef idx="minor">
+            <a:schemeClr val="lt1"/>
+          </a:fontRef>
+        </p:style>
+        <p:txBody>
+          <a:bodyPr rtlCol="0" anchor="ctr"/>
+          <a:lstStyle/>
+          <a:p>
+            <a:pPr algn="ctr"/>
+            <a:endParaRPr lang="en-IN"/>
+          </a:p>
+        </p:txBody>
+      </p:sp>
+      <p:cxnSp>
+        <p:nvCxnSpPr>
+          <p:cNvPr id="14" name="Connector: Elbow 13">
+            <a:extLst>
+              <a:ext uri="{FF2B5EF4-FFF2-40B4-BE49-F238E27FC236}">
+                <a16:creationId xmlns:a16="http://schemas.microsoft.com/office/drawing/2014/main" id="{91E64308-056C-8A45-3AEB-755540EBA7AE}"/>
+              </a:ext>
+            </a:extLst>
+          </p:cNvPr>
+          <p:cNvCxnSpPr>
+            <a:stCxn id="10" idx="2"/>
+            <a:endCxn id="11" idx="0"/>
+          </p:cNvCxnSpPr>
+          <p:nvPr/>
+        </p:nvCxnSpPr>
+        <p:spPr>
+          <a:xfrm rot="5400000">
+            <a:off x="2777139" y="2754358"/>
+            <a:ext cx="960822" cy="266700"/>
+          </a:xfrm>
+          <a:prstGeom prst="bentConnector3">
+            <a:avLst/>
+          </a:prstGeom>
+          <a:ln>
+            <a:tailEnd type="triangle"/>
+          </a:ln>
+        </p:spPr>
+        <p:style>
+          <a:lnRef idx="1">
+            <a:schemeClr val="accent1"/>
+          </a:lnRef>
+          <a:fillRef idx="0">
+            <a:schemeClr val="accent1"/>
+          </a:fillRef>
+          <a:effectRef idx="0">
+            <a:schemeClr val="accent1"/>
+          </a:effectRef>
+          <a:fontRef idx="minor">
+            <a:schemeClr val="tx1"/>
+          </a:fontRef>
+        </p:style>
+      </p:cxnSp>
+      <p:sp>
+        <p:nvSpPr>
+          <p:cNvPr id="15" name="Rectangle 14">
+            <a:extLst>
+              <a:ext uri="{FF2B5EF4-FFF2-40B4-BE49-F238E27FC236}">
+                <a16:creationId xmlns:a16="http://schemas.microsoft.com/office/drawing/2014/main" id="{BA555106-A687-82CC-4F6D-60C560D2878C}"/>
+              </a:ext>
+            </a:extLst>
+          </p:cNvPr>
+          <p:cNvSpPr/>
+          <p:nvPr/>
+        </p:nvSpPr>
+        <p:spPr>
+          <a:xfrm>
+            <a:off x="4876800" y="590550"/>
+            <a:ext cx="2478665" cy="3886200"/>
+          </a:xfrm>
+          <a:prstGeom prst="rect">
+            <a:avLst/>
+          </a:prstGeom>
+        </p:spPr>
+        <p:style>
+          <a:lnRef idx="2">
+            <a:schemeClr val="accent1">
+              <a:shade val="15000"/>
+            </a:schemeClr>
+          </a:lnRef>
+          <a:fillRef idx="1">
+            <a:schemeClr val="accent1"/>
+          </a:fillRef>
+          <a:effectRef idx="0">
+            <a:schemeClr val="accent1"/>
+          </a:effectRef>
+          <a:fontRef idx="minor">
+            <a:schemeClr val="lt1"/>
+          </a:fontRef>
+        </p:style>
+        <p:txBody>
+          <a:bodyPr rtlCol="0" anchor="ctr"/>
+          <a:lstStyle/>
+          <a:p>
+            <a:pPr algn="ctr"/>
+            <a:endParaRPr lang="en-IN" dirty="0"/>
+          </a:p>
+          <a:p>
+            <a:pPr algn="ctr"/>
+            <a:endParaRPr lang="en-IN" dirty="0"/>
+          </a:p>
+          <a:p>
+            <a:pPr algn="ctr"/>
+            <a:endParaRPr lang="en-IN" dirty="0"/>
+          </a:p>
+          <a:p>
+            <a:pPr algn="ctr"/>
+            <a:endParaRPr lang="en-IN" dirty="0"/>
+          </a:p>
+          <a:p>
+            <a:pPr algn="ctr"/>
+            <a:endParaRPr lang="en-IN" dirty="0"/>
+          </a:p>
+          <a:p>
+            <a:pPr algn="ctr"/>
+            <a:endParaRPr lang="en-IN" dirty="0"/>
+          </a:p>
+          <a:p>
+            <a:pPr algn="ctr"/>
+            <a:endParaRPr lang="en-IN" dirty="0"/>
+          </a:p>
+          <a:p>
+            <a:pPr algn="ctr"/>
+            <a:endParaRPr lang="en-IN" dirty="0"/>
+          </a:p>
+          <a:p>
+            <a:pPr algn="ctr"/>
+            <a:endParaRPr lang="en-IN" dirty="0"/>
+          </a:p>
+          <a:p>
+            <a:pPr algn="ctr"/>
+            <a:endParaRPr lang="en-IN" dirty="0"/>
+          </a:p>
+          <a:p>
+            <a:pPr algn="ctr"/>
+            <a:r>
+              <a:rPr lang="en-IN" dirty="0"/>
+              <a:t>Build Process Automation</a:t>
+            </a:r>
+          </a:p>
+          <a:p>
+            <a:pPr algn="ctr"/>
+            <a:r>
+              <a:rPr lang="en-IN" dirty="0"/>
+              <a:t>BTP</a:t>
+            </a:r>
+          </a:p>
+        </p:txBody>
+      </p:sp>
+      <p:sp>
+        <p:nvSpPr>
+          <p:cNvPr id="16" name="Rectangle 15">
+            <a:extLst>
+              <a:ext uri="{FF2B5EF4-FFF2-40B4-BE49-F238E27FC236}">
+                <a16:creationId xmlns:a16="http://schemas.microsoft.com/office/drawing/2014/main" id="{B67E1720-8547-A044-6E7F-012864CA47ED}"/>
+              </a:ext>
+            </a:extLst>
+          </p:cNvPr>
+          <p:cNvSpPr/>
+          <p:nvPr/>
+        </p:nvSpPr>
+        <p:spPr>
+          <a:xfrm>
+            <a:off x="5811332" y="1151300"/>
+            <a:ext cx="609600" cy="304800"/>
+          </a:xfrm>
+          <a:prstGeom prst="rect">
+            <a:avLst/>
+          </a:prstGeom>
+        </p:spPr>
+        <p:style>
+          <a:lnRef idx="2">
+            <a:schemeClr val="accent1">
+              <a:shade val="15000"/>
+            </a:schemeClr>
+          </a:lnRef>
+          <a:fillRef idx="1">
+            <a:schemeClr val="accent1"/>
+          </a:fillRef>
+          <a:effectRef idx="0">
+            <a:schemeClr val="accent1"/>
+          </a:effectRef>
+          <a:fontRef idx="minor">
+            <a:schemeClr val="lt1"/>
+          </a:fontRef>
+        </p:style>
+        <p:txBody>
+          <a:bodyPr rtlCol="0" anchor="ctr"/>
+          <a:lstStyle/>
+          <a:p>
+            <a:pPr algn="ctr"/>
+            <a:r>
+              <a:rPr lang="en-IN" sz="900" dirty="0"/>
+              <a:t>approval</a:t>
+            </a:r>
+          </a:p>
+        </p:txBody>
+      </p:sp>
+      <p:sp>
+        <p:nvSpPr>
+          <p:cNvPr id="17" name="Oval 16">
+            <a:extLst>
+              <a:ext uri="{FF2B5EF4-FFF2-40B4-BE49-F238E27FC236}">
+                <a16:creationId xmlns:a16="http://schemas.microsoft.com/office/drawing/2014/main" id="{580BC323-2446-FCDE-0A01-2D53BF1587D0}"/>
+              </a:ext>
+            </a:extLst>
+          </p:cNvPr>
+          <p:cNvSpPr/>
+          <p:nvPr/>
+        </p:nvSpPr>
+        <p:spPr>
+          <a:xfrm>
+            <a:off x="5963732" y="710148"/>
+            <a:ext cx="304800" cy="247116"/>
+          </a:xfrm>
+          <a:prstGeom prst="ellipse">
+            <a:avLst/>
+          </a:prstGeom>
+        </p:spPr>
+        <p:style>
+          <a:lnRef idx="2">
+            <a:schemeClr val="accent1">
+              <a:shade val="15000"/>
+            </a:schemeClr>
+          </a:lnRef>
+          <a:fillRef idx="1">
+            <a:schemeClr val="accent1"/>
+          </a:fillRef>
+          <a:effectRef idx="0">
+            <a:schemeClr val="accent1"/>
+          </a:effectRef>
+          <a:fontRef idx="minor">
+            <a:schemeClr val="lt1"/>
+          </a:fontRef>
+        </p:style>
+        <p:txBody>
+          <a:bodyPr rtlCol="0" anchor="ctr"/>
+          <a:lstStyle/>
+          <a:p>
+            <a:pPr algn="ctr"/>
+            <a:endParaRPr lang="en-IN"/>
+          </a:p>
+        </p:txBody>
+      </p:sp>
+      <p:sp>
+        <p:nvSpPr>
+          <p:cNvPr id="18" name="Rectangle 17">
+            <a:extLst>
+              <a:ext uri="{FF2B5EF4-FFF2-40B4-BE49-F238E27FC236}">
+                <a16:creationId xmlns:a16="http://schemas.microsoft.com/office/drawing/2014/main" id="{3D46BD2C-AAF6-0157-E21E-E70F9BA07118}"/>
+              </a:ext>
+            </a:extLst>
+          </p:cNvPr>
+          <p:cNvSpPr/>
+          <p:nvPr/>
+        </p:nvSpPr>
+        <p:spPr>
+          <a:xfrm>
+            <a:off x="5177872" y="1712635"/>
+            <a:ext cx="609600" cy="304800"/>
+          </a:xfrm>
+          <a:prstGeom prst="rect">
+            <a:avLst/>
+          </a:prstGeom>
+        </p:spPr>
+        <p:style>
+          <a:lnRef idx="2">
+            <a:schemeClr val="accent1">
+              <a:shade val="15000"/>
+            </a:schemeClr>
+          </a:lnRef>
+          <a:fillRef idx="1">
+            <a:schemeClr val="accent1"/>
+          </a:fillRef>
+          <a:effectRef idx="0">
+            <a:schemeClr val="accent1"/>
+          </a:effectRef>
+          <a:fontRef idx="minor">
+            <a:schemeClr val="lt1"/>
+          </a:fontRef>
+        </p:style>
+        <p:txBody>
+          <a:bodyPr rtlCol="0" anchor="ctr"/>
+          <a:lstStyle/>
+          <a:p>
+            <a:pPr algn="ctr"/>
+            <a:r>
+              <a:rPr lang="en-IN" sz="1200" dirty="0"/>
+              <a:t>form</a:t>
+            </a:r>
+          </a:p>
+        </p:txBody>
+      </p:sp>
+      <p:sp>
+        <p:nvSpPr>
+          <p:cNvPr id="19" name="Rectangle 18">
+            <a:extLst>
+              <a:ext uri="{FF2B5EF4-FFF2-40B4-BE49-F238E27FC236}">
+                <a16:creationId xmlns:a16="http://schemas.microsoft.com/office/drawing/2014/main" id="{501E0D3B-5331-316A-F69D-5422BF9C3919}"/>
+              </a:ext>
+            </a:extLst>
+          </p:cNvPr>
+          <p:cNvSpPr/>
+          <p:nvPr/>
+        </p:nvSpPr>
+        <p:spPr>
+          <a:xfrm>
+            <a:off x="6473272" y="1706883"/>
+            <a:ext cx="609600" cy="304800"/>
+          </a:xfrm>
+          <a:prstGeom prst="rect">
+            <a:avLst/>
+          </a:prstGeom>
+        </p:spPr>
+        <p:style>
+          <a:lnRef idx="2">
+            <a:schemeClr val="accent1">
+              <a:shade val="15000"/>
+            </a:schemeClr>
+          </a:lnRef>
+          <a:fillRef idx="1">
+            <a:schemeClr val="accent1"/>
+          </a:fillRef>
+          <a:effectRef idx="0">
+            <a:schemeClr val="accent1"/>
+          </a:effectRef>
+          <a:fontRef idx="minor">
+            <a:schemeClr val="lt1"/>
+          </a:fontRef>
+        </p:style>
+        <p:txBody>
+          <a:bodyPr rtlCol="0" anchor="ctr"/>
+          <a:lstStyle/>
+          <a:p>
+            <a:pPr algn="ctr"/>
+            <a:r>
+              <a:rPr lang="en-IN" dirty="0"/>
+              <a:t>mail</a:t>
+            </a:r>
+          </a:p>
+        </p:txBody>
+      </p:sp>
+      <p:sp>
+        <p:nvSpPr>
+          <p:cNvPr id="20" name="Oval 19">
+            <a:extLst>
+              <a:ext uri="{FF2B5EF4-FFF2-40B4-BE49-F238E27FC236}">
+                <a16:creationId xmlns:a16="http://schemas.microsoft.com/office/drawing/2014/main" id="{1E1B94AD-D938-4137-CC3B-99DA10F556CF}"/>
+              </a:ext>
+            </a:extLst>
+          </p:cNvPr>
+          <p:cNvSpPr/>
+          <p:nvPr/>
+        </p:nvSpPr>
+        <p:spPr>
+          <a:xfrm>
+            <a:off x="6019800" y="2564607"/>
+            <a:ext cx="248732" cy="235743"/>
+          </a:xfrm>
+          <a:prstGeom prst="ellipse">
+            <a:avLst/>
+          </a:prstGeom>
+        </p:spPr>
+        <p:style>
+          <a:lnRef idx="2">
+            <a:schemeClr val="accent1">
+              <a:shade val="15000"/>
+            </a:schemeClr>
+          </a:lnRef>
+          <a:fillRef idx="1">
+            <a:schemeClr val="accent1"/>
+          </a:fillRef>
+          <a:effectRef idx="0">
+            <a:schemeClr val="accent1"/>
+          </a:effectRef>
+          <a:fontRef idx="minor">
+            <a:schemeClr val="lt1"/>
+          </a:fontRef>
+        </p:style>
+        <p:txBody>
+          <a:bodyPr rtlCol="0" anchor="ctr"/>
+          <a:lstStyle/>
+          <a:p>
+            <a:pPr algn="ctr"/>
+            <a:endParaRPr lang="en-IN"/>
+          </a:p>
+        </p:txBody>
+      </p:sp>
+      <p:cxnSp>
+        <p:nvCxnSpPr>
+          <p:cNvPr id="22" name="Connector: Elbow 21">
+            <a:extLst>
+              <a:ext uri="{FF2B5EF4-FFF2-40B4-BE49-F238E27FC236}">
+                <a16:creationId xmlns:a16="http://schemas.microsoft.com/office/drawing/2014/main" id="{D5996196-E1BE-078D-5F96-3F59DC91C490}"/>
+              </a:ext>
+            </a:extLst>
+          </p:cNvPr>
+          <p:cNvCxnSpPr>
+            <a:stCxn id="11" idx="3"/>
+            <a:endCxn id="15" idx="1"/>
+          </p:cNvCxnSpPr>
+          <p:nvPr/>
+        </p:nvCxnSpPr>
+        <p:spPr>
+          <a:xfrm flipV="1">
+            <a:off x="4187262" y="2533650"/>
+            <a:ext cx="689538" cy="1177369"/>
+          </a:xfrm>
+          <a:prstGeom prst="bentConnector3">
+            <a:avLst/>
+          </a:prstGeom>
+          <a:ln>
+            <a:tailEnd type="triangle"/>
+          </a:ln>
+        </p:spPr>
+        <p:style>
+          <a:lnRef idx="1">
+            <a:schemeClr val="accent1"/>
+          </a:lnRef>
+          <a:fillRef idx="0">
+            <a:schemeClr val="accent1"/>
+          </a:fillRef>
+          <a:effectRef idx="0">
+            <a:schemeClr val="accent1"/>
+          </a:effectRef>
+          <a:fontRef idx="minor">
+            <a:schemeClr val="tx1"/>
+          </a:fontRef>
+        </p:style>
+      </p:cxnSp>
+      <p:cxnSp>
+        <p:nvCxnSpPr>
+          <p:cNvPr id="24" name="Straight Arrow Connector 23">
+            <a:extLst>
+              <a:ext uri="{FF2B5EF4-FFF2-40B4-BE49-F238E27FC236}">
+                <a16:creationId xmlns:a16="http://schemas.microsoft.com/office/drawing/2014/main" id="{F1EA5F03-E228-AA1C-C8FC-18F680677EAB}"/>
+              </a:ext>
+            </a:extLst>
+          </p:cNvPr>
+          <p:cNvCxnSpPr>
+            <a:stCxn id="10" idx="3"/>
+          </p:cNvCxnSpPr>
+          <p:nvPr/>
+        </p:nvCxnSpPr>
+        <p:spPr>
+          <a:xfrm>
+            <a:off x="3886200" y="1683397"/>
+            <a:ext cx="1020631" cy="23486"/>
+          </a:xfrm>
+          <a:prstGeom prst="straightConnector1">
+            <a:avLst/>
+          </a:prstGeom>
+          <a:ln>
+            <a:tailEnd type="triangle"/>
+          </a:ln>
+        </p:spPr>
+        <p:style>
+          <a:lnRef idx="1">
+            <a:schemeClr val="accent1"/>
+          </a:lnRef>
+          <a:fillRef idx="0">
+            <a:schemeClr val="accent1"/>
+          </a:fillRef>
+          <a:effectRef idx="0">
+            <a:schemeClr val="accent1"/>
+          </a:effectRef>
+          <a:fontRef idx="minor">
+            <a:schemeClr val="tx1"/>
+          </a:fontRef>
+        </p:style>
+      </p:cxnSp>
+      <p:cxnSp>
+        <p:nvCxnSpPr>
+          <p:cNvPr id="26" name="Straight Arrow Connector 25">
+            <a:extLst>
+              <a:ext uri="{FF2B5EF4-FFF2-40B4-BE49-F238E27FC236}">
+                <a16:creationId xmlns:a16="http://schemas.microsoft.com/office/drawing/2014/main" id="{6B04F91E-5EE1-3BA7-4F20-44FE53A88135}"/>
+              </a:ext>
+            </a:extLst>
+          </p:cNvPr>
+          <p:cNvCxnSpPr>
+            <a:cxnSpLocks/>
+            <a:stCxn id="17" idx="4"/>
+            <a:endCxn id="16" idx="0"/>
+          </p:cNvCxnSpPr>
+          <p:nvPr/>
+        </p:nvCxnSpPr>
+        <p:spPr>
+          <a:xfrm>
+            <a:off x="6116132" y="957264"/>
+            <a:ext cx="0" cy="194036"/>
+          </a:xfrm>
+          <a:prstGeom prst="straightConnector1">
+            <a:avLst/>
+          </a:prstGeom>
+          <a:ln>
+            <a:tailEnd type="triangle"/>
+          </a:ln>
+        </p:spPr>
+        <p:style>
+          <a:lnRef idx="1">
+            <a:schemeClr val="accent6"/>
+          </a:lnRef>
+          <a:fillRef idx="0">
+            <a:schemeClr val="accent6"/>
+          </a:fillRef>
+          <a:effectRef idx="0">
+            <a:schemeClr val="accent6"/>
+          </a:effectRef>
+          <a:fontRef idx="minor">
+            <a:schemeClr val="tx1"/>
+          </a:fontRef>
+        </p:style>
+      </p:cxnSp>
+      <p:cxnSp>
+        <p:nvCxnSpPr>
+          <p:cNvPr id="29" name="Connector: Elbow 28">
+            <a:extLst>
+              <a:ext uri="{FF2B5EF4-FFF2-40B4-BE49-F238E27FC236}">
+                <a16:creationId xmlns:a16="http://schemas.microsoft.com/office/drawing/2014/main" id="{CA563B2D-746A-9D23-D5DC-C1435D02EC5F}"/>
+              </a:ext>
+            </a:extLst>
+          </p:cNvPr>
+          <p:cNvCxnSpPr>
+            <a:stCxn id="16" idx="2"/>
+            <a:endCxn id="18" idx="0"/>
+          </p:cNvCxnSpPr>
+          <p:nvPr/>
+        </p:nvCxnSpPr>
+        <p:spPr>
+          <a:xfrm rot="5400000">
+            <a:off x="5671135" y="1267637"/>
+            <a:ext cx="256535" cy="633460"/>
+          </a:xfrm>
+          <a:prstGeom prst="bentConnector3">
+            <a:avLst/>
+          </a:prstGeom>
+          <a:ln>
+            <a:solidFill>
+              <a:srgbClr val="92D050"/>
+            </a:solidFill>
+            <a:tailEnd type="triangle"/>
+          </a:ln>
+        </p:spPr>
+        <p:style>
+          <a:lnRef idx="1">
+            <a:schemeClr val="accent2"/>
+          </a:lnRef>
+          <a:fillRef idx="0">
+            <a:schemeClr val="accent2"/>
+          </a:fillRef>
+          <a:effectRef idx="0">
+            <a:schemeClr val="accent2"/>
+          </a:effectRef>
+          <a:fontRef idx="minor">
+            <a:schemeClr val="tx1"/>
+          </a:fontRef>
+        </p:style>
+      </p:cxnSp>
+      <p:cxnSp>
+        <p:nvCxnSpPr>
+          <p:cNvPr id="30" name="Connector: Elbow 29">
+            <a:extLst>
+              <a:ext uri="{FF2B5EF4-FFF2-40B4-BE49-F238E27FC236}">
+                <a16:creationId xmlns:a16="http://schemas.microsoft.com/office/drawing/2014/main" id="{0A87D117-BA17-069E-3F18-06FFA0282869}"/>
+              </a:ext>
+            </a:extLst>
+          </p:cNvPr>
+          <p:cNvCxnSpPr>
+            <a:cxnSpLocks/>
+            <a:stCxn id="16" idx="2"/>
+            <a:endCxn id="19" idx="0"/>
+          </p:cNvCxnSpPr>
+          <p:nvPr/>
+        </p:nvCxnSpPr>
+        <p:spPr>
+          <a:xfrm rot="16200000" flipH="1">
+            <a:off x="6321711" y="1250521"/>
+            <a:ext cx="250783" cy="661940"/>
+          </a:xfrm>
+          <a:prstGeom prst="bentConnector3">
+            <a:avLst>
+              <a:gd name="adj1" fmla="val 50000"/>
+            </a:avLst>
+          </a:prstGeom>
+          <a:ln>
+            <a:tailEnd type="triangle"/>
+          </a:ln>
+        </p:spPr>
+        <p:style>
+          <a:lnRef idx="1">
+            <a:schemeClr val="accent2"/>
+          </a:lnRef>
+          <a:fillRef idx="0">
+            <a:schemeClr val="accent2"/>
+          </a:fillRef>
+          <a:effectRef idx="0">
+            <a:schemeClr val="accent2"/>
+          </a:effectRef>
+          <a:fontRef idx="minor">
+            <a:schemeClr val="tx1"/>
+          </a:fontRef>
+        </p:style>
+      </p:cxnSp>
+      <p:cxnSp>
+        <p:nvCxnSpPr>
+          <p:cNvPr id="34" name="Connector: Elbow 33">
+            <a:extLst>
+              <a:ext uri="{FF2B5EF4-FFF2-40B4-BE49-F238E27FC236}">
+                <a16:creationId xmlns:a16="http://schemas.microsoft.com/office/drawing/2014/main" id="{B4980469-6E05-7BC4-7D0D-3A22DF25AE8B}"/>
+              </a:ext>
+            </a:extLst>
+          </p:cNvPr>
+          <p:cNvCxnSpPr>
+            <a:stCxn id="18" idx="2"/>
+            <a:endCxn id="20" idx="0"/>
+          </p:cNvCxnSpPr>
+          <p:nvPr/>
+        </p:nvCxnSpPr>
+        <p:spPr>
+          <a:xfrm rot="16200000" flipH="1">
+            <a:off x="5539833" y="1960274"/>
+            <a:ext cx="547172" cy="661494"/>
+          </a:xfrm>
+          <a:prstGeom prst="bentConnector3">
+            <a:avLst/>
+          </a:prstGeom>
+          <a:ln>
+            <a:tailEnd type="triangle"/>
+          </a:ln>
+        </p:spPr>
+        <p:style>
+          <a:lnRef idx="1">
+            <a:schemeClr val="accent2"/>
+          </a:lnRef>
+          <a:fillRef idx="0">
+            <a:schemeClr val="accent2"/>
+          </a:fillRef>
+          <a:effectRef idx="0">
+            <a:schemeClr val="accent2"/>
+          </a:effectRef>
+          <a:fontRef idx="minor">
+            <a:schemeClr val="tx1"/>
+          </a:fontRef>
+        </p:style>
+      </p:cxnSp>
+      <p:cxnSp>
+        <p:nvCxnSpPr>
+          <p:cNvPr id="35" name="Connector: Elbow 34">
+            <a:extLst>
+              <a:ext uri="{FF2B5EF4-FFF2-40B4-BE49-F238E27FC236}">
+                <a16:creationId xmlns:a16="http://schemas.microsoft.com/office/drawing/2014/main" id="{96177CBC-1AF7-4F6D-159F-83A1D15F3CD5}"/>
+              </a:ext>
+            </a:extLst>
+          </p:cNvPr>
+          <p:cNvCxnSpPr>
+            <a:cxnSpLocks/>
+            <a:stCxn id="19" idx="2"/>
+            <a:endCxn id="20" idx="0"/>
+          </p:cNvCxnSpPr>
+          <p:nvPr/>
+        </p:nvCxnSpPr>
+        <p:spPr>
+          <a:xfrm rot="5400000">
+            <a:off x="6184657" y="1971192"/>
+            <a:ext cx="552924" cy="633906"/>
+          </a:xfrm>
+          <a:prstGeom prst="bentConnector3">
+            <a:avLst/>
+          </a:prstGeom>
+          <a:ln>
+            <a:tailEnd type="triangle"/>
+          </a:ln>
+        </p:spPr>
+        <p:style>
+          <a:lnRef idx="1">
+            <a:schemeClr val="accent2"/>
+          </a:lnRef>
+          <a:fillRef idx="0">
+            <a:schemeClr val="accent2"/>
+          </a:fillRef>
+          <a:effectRef idx="0">
+            <a:schemeClr val="accent2"/>
+          </a:effectRef>
+          <a:fontRef idx="minor">
+            <a:schemeClr val="tx1"/>
+          </a:fontRef>
+        </p:style>
+      </p:cxnSp>
+      <p:sp>
+        <p:nvSpPr>
+          <p:cNvPr id="38" name="TextBox 37">
+            <a:extLst>
+              <a:ext uri="{FF2B5EF4-FFF2-40B4-BE49-F238E27FC236}">
+                <a16:creationId xmlns:a16="http://schemas.microsoft.com/office/drawing/2014/main" id="{98FB7C25-1FE6-1EB8-C456-F0EB8B3C060F}"/>
               </a:ext>
             </a:extLst>
           </p:cNvPr>
@@ -18629,8 +18988,8 @@
         </p:nvSpPr>
         <p:spPr>
           <a:xfrm>
-            <a:off x="152400" y="666751"/>
-            <a:ext cx="8839200" cy="1815882"/>
+            <a:off x="7712159" y="2225873"/>
+            <a:ext cx="990600" cy="307777"/>
           </a:xfrm>
           <a:prstGeom prst="rect">
             <a:avLst/>
@@ -18644,47 +19003,188 @@
           <a:lstStyle/>
           <a:p>
             <a:r>
-              <a:rPr lang="en-IN" sz="1600" dirty="0"/>
-              <a:t>SAP provides a publicly available website. Any developer can go and explore the APIs offered by SAP Solutions e.g. S/4HANA, BTP, Success Factors, Field Glass, Concur etc.</a:t>
-            </a:r>
-          </a:p>
-          <a:p>
-            <a:endParaRPr lang="en-IN" sz="1600" dirty="0"/>
-          </a:p>
-          <a:p>
-            <a:r>
-              <a:rPr lang="en-IN" sz="1600" dirty="0">
-                <a:hlinkClick r:id="rId2"/>
-              </a:rPr>
-              <a:t>https://api.sap.com</a:t>
-            </a:r>
-            <a:endParaRPr lang="en-IN" sz="1600" dirty="0"/>
-          </a:p>
-          <a:p>
-            <a:endParaRPr lang="en-IN" sz="1600" dirty="0"/>
-          </a:p>
-          <a:p>
-            <a:r>
-              <a:rPr lang="en-IN" sz="1600" dirty="0"/>
-              <a:t>You can request S/4HANA server access – </a:t>
-            </a:r>
-            <a:r>
-              <a:rPr lang="en-IN" sz="1600" dirty="0">
-                <a:hlinkClick r:id="rId3"/>
-              </a:rPr>
-              <a:t>server@anubhavtrainings.com</a:t>
-            </a:r>
-            <a:endParaRPr lang="en-IN" sz="1600" dirty="0"/>
-          </a:p>
-          <a:p>
-            <a:endParaRPr lang="en-IN" sz="1600" dirty="0"/>
+              <a:rPr lang="en-IN" sz="1400" b="1" dirty="0"/>
+              <a:t>Manager</a:t>
+            </a:r>
           </a:p>
         </p:txBody>
       </p:sp>
+      <p:sp>
+        <p:nvSpPr>
+          <p:cNvPr id="41" name="TextBox 40">
+            <a:extLst>
+              <a:ext uri="{FF2B5EF4-FFF2-40B4-BE49-F238E27FC236}">
+                <a16:creationId xmlns:a16="http://schemas.microsoft.com/office/drawing/2014/main" id="{66E6C033-B265-371B-F138-560681CD348C}"/>
+              </a:ext>
+            </a:extLst>
+          </p:cNvPr>
+          <p:cNvSpPr txBox="1"/>
+          <p:nvPr/>
+        </p:nvSpPr>
+        <p:spPr>
+          <a:xfrm>
+            <a:off x="4038600" y="1456099"/>
+            <a:ext cx="782131" cy="276999"/>
+          </a:xfrm>
+          <a:prstGeom prst="rect">
+            <a:avLst/>
+          </a:prstGeom>
+          <a:noFill/>
+        </p:spPr>
+        <p:txBody>
+          <a:bodyPr wrap="square" rtlCol="0">
+            <a:spAutoFit/>
+          </a:bodyPr>
+          <a:lstStyle/>
+          <a:p>
+            <a:r>
+              <a:rPr lang="en-IN" sz="1200" b="1" dirty="0"/>
+              <a:t>&lt;data&gt;</a:t>
+            </a:r>
+          </a:p>
+        </p:txBody>
+      </p:sp>
+      <p:sp>
+        <p:nvSpPr>
+          <p:cNvPr id="42" name="TextBox 41">
+            <a:extLst>
+              <a:ext uri="{FF2B5EF4-FFF2-40B4-BE49-F238E27FC236}">
+                <a16:creationId xmlns:a16="http://schemas.microsoft.com/office/drawing/2014/main" id="{303E11A3-A380-7F42-2D6A-966159D8F8B9}"/>
+              </a:ext>
+            </a:extLst>
+          </p:cNvPr>
+          <p:cNvSpPr txBox="1"/>
+          <p:nvPr/>
+        </p:nvSpPr>
+        <p:spPr>
+          <a:xfrm>
+            <a:off x="4114600" y="2349403"/>
+            <a:ext cx="782131" cy="276999"/>
+          </a:xfrm>
+          <a:prstGeom prst="rect">
+            <a:avLst/>
+          </a:prstGeom>
+          <a:noFill/>
+        </p:spPr>
+        <p:txBody>
+          <a:bodyPr wrap="square" rtlCol="0">
+            <a:spAutoFit/>
+          </a:bodyPr>
+          <a:lstStyle/>
+          <a:p>
+            <a:r>
+              <a:rPr lang="en-IN" sz="1200" b="1" dirty="0"/>
+              <a:t>&lt;data&gt;</a:t>
+            </a:r>
+          </a:p>
+        </p:txBody>
+      </p:sp>
+      <p:sp>
+        <p:nvSpPr>
+          <p:cNvPr id="2" name="Rectangle 1">
+            <a:extLst>
+              <a:ext uri="{FF2B5EF4-FFF2-40B4-BE49-F238E27FC236}">
+                <a16:creationId xmlns:a16="http://schemas.microsoft.com/office/drawing/2014/main" id="{C40F370C-B5D8-27DE-1196-039DDEAEF283}"/>
+              </a:ext>
+            </a:extLst>
+          </p:cNvPr>
+          <p:cNvSpPr/>
+          <p:nvPr/>
+        </p:nvSpPr>
+        <p:spPr>
+          <a:xfrm>
+            <a:off x="7620000" y="2800350"/>
+            <a:ext cx="1219200" cy="990600"/>
+          </a:xfrm>
+          <a:prstGeom prst="rect">
+            <a:avLst/>
+          </a:prstGeom>
+        </p:spPr>
+        <p:style>
+          <a:lnRef idx="2">
+            <a:schemeClr val="accent1">
+              <a:shade val="15000"/>
+            </a:schemeClr>
+          </a:lnRef>
+          <a:fillRef idx="1">
+            <a:schemeClr val="accent1"/>
+          </a:fillRef>
+          <a:effectRef idx="0">
+            <a:schemeClr val="accent1"/>
+          </a:effectRef>
+          <a:fontRef idx="minor">
+            <a:schemeClr val="lt1"/>
+          </a:fontRef>
+        </p:style>
+        <p:txBody>
+          <a:bodyPr rtlCol="0" anchor="ctr"/>
+          <a:lstStyle/>
+          <a:p>
+            <a:pPr algn="ctr"/>
+            <a:r>
+              <a:rPr lang="en-IN" dirty="0"/>
+              <a:t>Build </a:t>
+            </a:r>
+            <a:r>
+              <a:rPr lang="en-IN" dirty="0" err="1"/>
+              <a:t>workzone</a:t>
+            </a:r>
+            <a:endParaRPr lang="en-IN" dirty="0"/>
+          </a:p>
+          <a:p>
+            <a:pPr algn="ctr"/>
+            <a:r>
+              <a:rPr lang="en-IN" dirty="0"/>
+              <a:t>My Inbox</a:t>
+            </a:r>
+          </a:p>
+        </p:txBody>
+      </p:sp>
+      <p:cxnSp>
+        <p:nvCxnSpPr>
+          <p:cNvPr id="13" name="Connector: Elbow 12">
+            <a:extLst>
+              <a:ext uri="{FF2B5EF4-FFF2-40B4-BE49-F238E27FC236}">
+                <a16:creationId xmlns:a16="http://schemas.microsoft.com/office/drawing/2014/main" id="{8D1C4534-5D93-6752-6081-B2FD57165929}"/>
+              </a:ext>
+            </a:extLst>
+          </p:cNvPr>
+          <p:cNvCxnSpPr>
+            <a:stCxn id="2" idx="2"/>
+          </p:cNvCxnSpPr>
+          <p:nvPr/>
+        </p:nvCxnSpPr>
+        <p:spPr>
+          <a:xfrm rot="5400000">
+            <a:off x="7661049" y="3485367"/>
+            <a:ext cx="262969" cy="874135"/>
+          </a:xfrm>
+          <a:prstGeom prst="bentConnector2">
+            <a:avLst/>
+          </a:prstGeom>
+          <a:ln>
+            <a:tailEnd type="triangle"/>
+          </a:ln>
+        </p:spPr>
+        <p:style>
+          <a:lnRef idx="1">
+            <a:schemeClr val="accent1"/>
+          </a:lnRef>
+          <a:fillRef idx="0">
+            <a:schemeClr val="accent1"/>
+          </a:fillRef>
+          <a:effectRef idx="0">
+            <a:schemeClr val="accent1"/>
+          </a:effectRef>
+          <a:fontRef idx="minor">
+            <a:schemeClr val="tx1"/>
+          </a:fontRef>
+        </p:style>
+      </p:cxnSp>
     </p:spTree>
     <p:extLst>
       <p:ext uri="{BB962C8B-B14F-4D97-AF65-F5344CB8AC3E}">
-        <p14:creationId xmlns:p14="http://schemas.microsoft.com/office/powerpoint/2010/main" val="3672461106"/>
+        <p14:creationId xmlns:p14="http://schemas.microsoft.com/office/powerpoint/2010/main" val="1752604588"/>
       </p:ext>
     </p:extLst>
   </p:cSld>
